--- a/수업목표.pptx
+++ b/수업목표.pptx
@@ -11,6 +11,12 @@
     <p:sldId id="260" r:id="rId5"/>
     <p:sldId id="261" r:id="rId6"/>
     <p:sldId id="262" r:id="rId7"/>
+    <p:sldId id="267" r:id="rId8"/>
+    <p:sldId id="263" r:id="rId9"/>
+    <p:sldId id="264" r:id="rId10"/>
+    <p:sldId id="265" r:id="rId11"/>
+    <p:sldId id="268" r:id="rId12"/>
+    <p:sldId id="266" r:id="rId13"/>
   </p:sldIdLst>
   <p:sldSz cx="12192000" cy="6858000"/>
   <p:notesSz cx="6858000" cy="9144000"/>
@@ -109,6 +115,11 @@
       </a:defRPr>
     </a:lvl9pPr>
   </p:defaultTextStyle>
+  <p:extLst>
+    <p:ext uri="{EFAFB233-063F-42B5-8137-9DF3F51BA10A}">
+      <p15:sldGuideLst xmlns:p15="http://schemas.microsoft.com/office/powerpoint/2012/main"/>
+    </p:ext>
+  </p:extLst>
 </p:presentation>
 </file>
 
@@ -5493,6 +5504,2160 @@
 </p:sld>
 </file>
 
+<file path=ppt/slides/slide10.xml><?xml version="1.0" encoding="utf-8"?>
+<p:sld xmlns:a="http://schemas.openxmlformats.org/drawingml/2006/main" xmlns:r="http://schemas.openxmlformats.org/officeDocument/2006/relationships" xmlns:p="http://schemas.openxmlformats.org/presentationml/2006/main">
+  <p:cSld>
+    <p:spTree>
+      <p:nvGrpSpPr>
+        <p:cNvPr id="1" name=""/>
+        <p:cNvGrpSpPr/>
+        <p:nvPr/>
+      </p:nvGrpSpPr>
+      <p:grpSpPr>
+        <a:xfrm>
+          <a:off x="0" y="0"/>
+          <a:ext cx="0" cy="0"/>
+          <a:chOff x="0" y="0"/>
+          <a:chExt cx="0" cy="0"/>
+        </a:xfrm>
+      </p:grpSpPr>
+      <p:sp>
+        <p:nvSpPr>
+          <p:cNvPr id="2" name="제목 1">
+            <a:extLst>
+              <a:ext uri="{FF2B5EF4-FFF2-40B4-BE49-F238E27FC236}">
+                <a16:creationId xmlns:a16="http://schemas.microsoft.com/office/drawing/2014/main" id="{A51F50E6-C2F9-0C69-649B-18C148ED1849}"/>
+              </a:ext>
+            </a:extLst>
+          </p:cNvPr>
+          <p:cNvSpPr>
+            <a:spLocks noGrp="1"/>
+          </p:cNvSpPr>
+          <p:nvPr>
+            <p:ph type="title"/>
+          </p:nvPr>
+        </p:nvSpPr>
+        <p:spPr/>
+        <p:txBody>
+          <a:bodyPr/>
+          <a:lstStyle/>
+          <a:p>
+            <a:r>
+              <a:rPr kumimoji="1" lang="en-US" altLang="ko-Kore-KR" dirty="0"/>
+              <a:t>Network Layer</a:t>
+            </a:r>
+            <a:endParaRPr kumimoji="1" lang="ko-Kore-KR" altLang="en-US" dirty="0"/>
+          </a:p>
+        </p:txBody>
+      </p:sp>
+      <p:pic>
+        <p:nvPicPr>
+          <p:cNvPr id="6" name="그림 5">
+            <a:extLst>
+              <a:ext uri="{FF2B5EF4-FFF2-40B4-BE49-F238E27FC236}">
+                <a16:creationId xmlns:a16="http://schemas.microsoft.com/office/drawing/2014/main" id="{035CA482-731B-CADB-95F6-4EAA89C2C6B9}"/>
+              </a:ext>
+            </a:extLst>
+          </p:cNvPr>
+          <p:cNvPicPr>
+            <a:picLocks noChangeAspect="1"/>
+          </p:cNvPicPr>
+          <p:nvPr/>
+        </p:nvPicPr>
+        <p:blipFill>
+          <a:blip r:embed="rId2"/>
+          <a:stretch>
+            <a:fillRect/>
+          </a:stretch>
+        </p:blipFill>
+        <p:spPr>
+          <a:xfrm>
+            <a:off x="768910" y="2459990"/>
+            <a:ext cx="5327090" cy="3849370"/>
+          </a:xfrm>
+          <a:prstGeom prst="rect">
+            <a:avLst/>
+          </a:prstGeom>
+        </p:spPr>
+      </p:pic>
+      <p:pic>
+        <p:nvPicPr>
+          <p:cNvPr id="8" name="그림 7">
+            <a:extLst>
+              <a:ext uri="{FF2B5EF4-FFF2-40B4-BE49-F238E27FC236}">
+                <a16:creationId xmlns:a16="http://schemas.microsoft.com/office/drawing/2014/main" id="{11A864B3-43AF-A158-DC26-47B1E5626A32}"/>
+              </a:ext>
+            </a:extLst>
+          </p:cNvPr>
+          <p:cNvPicPr>
+            <a:picLocks noChangeAspect="1"/>
+          </p:cNvPicPr>
+          <p:nvPr/>
+        </p:nvPicPr>
+        <p:blipFill>
+          <a:blip r:embed="rId3"/>
+          <a:stretch>
+            <a:fillRect/>
+          </a:stretch>
+        </p:blipFill>
+        <p:spPr>
+          <a:xfrm>
+            <a:off x="6907530" y="2830830"/>
+            <a:ext cx="4178300" cy="3009900"/>
+          </a:xfrm>
+          <a:prstGeom prst="rect">
+            <a:avLst/>
+          </a:prstGeom>
+        </p:spPr>
+      </p:pic>
+    </p:spTree>
+    <p:extLst>
+      <p:ext uri="{BB962C8B-B14F-4D97-AF65-F5344CB8AC3E}">
+        <p14:creationId xmlns:p14="http://schemas.microsoft.com/office/powerpoint/2010/main" val="3373966594"/>
+      </p:ext>
+    </p:extLst>
+  </p:cSld>
+  <p:clrMapOvr>
+    <a:masterClrMapping/>
+  </p:clrMapOvr>
+</p:sld>
+</file>
+
+<file path=ppt/slides/slide11.xml><?xml version="1.0" encoding="utf-8"?>
+<p:sld xmlns:a="http://schemas.openxmlformats.org/drawingml/2006/main" xmlns:r="http://schemas.openxmlformats.org/officeDocument/2006/relationships" xmlns:p="http://schemas.openxmlformats.org/presentationml/2006/main">
+  <p:cSld>
+    <p:spTree>
+      <p:nvGrpSpPr>
+        <p:cNvPr id="1" name=""/>
+        <p:cNvGrpSpPr/>
+        <p:nvPr/>
+      </p:nvGrpSpPr>
+      <p:grpSpPr>
+        <a:xfrm>
+          <a:off x="0" y="0"/>
+          <a:ext cx="0" cy="0"/>
+          <a:chOff x="0" y="0"/>
+          <a:chExt cx="0" cy="0"/>
+        </a:xfrm>
+      </p:grpSpPr>
+      <p:sp>
+        <p:nvSpPr>
+          <p:cNvPr id="2" name="제목 1">
+            <a:extLst>
+              <a:ext uri="{FF2B5EF4-FFF2-40B4-BE49-F238E27FC236}">
+                <a16:creationId xmlns:a16="http://schemas.microsoft.com/office/drawing/2014/main" id="{C7A80A1A-113B-9B03-1A73-BB32D2EB150E}"/>
+              </a:ext>
+            </a:extLst>
+          </p:cNvPr>
+          <p:cNvSpPr>
+            <a:spLocks noGrp="1"/>
+          </p:cNvSpPr>
+          <p:nvPr>
+            <p:ph type="title"/>
+          </p:nvPr>
+        </p:nvSpPr>
+        <p:spPr/>
+        <p:txBody>
+          <a:bodyPr/>
+          <a:lstStyle/>
+          <a:p>
+            <a:r>
+              <a:rPr kumimoji="1" lang="en-US" altLang="ko-Kore-KR" dirty="0"/>
+              <a:t>Physically &amp; Logically Port</a:t>
+            </a:r>
+            <a:endParaRPr kumimoji="1" lang="ko-Kore-KR" altLang="en-US" dirty="0"/>
+          </a:p>
+        </p:txBody>
+      </p:sp>
+      <p:pic>
+        <p:nvPicPr>
+          <p:cNvPr id="5" name="그림 4">
+            <a:extLst>
+              <a:ext uri="{FF2B5EF4-FFF2-40B4-BE49-F238E27FC236}">
+                <a16:creationId xmlns:a16="http://schemas.microsoft.com/office/drawing/2014/main" id="{0C3445AF-CBF9-2378-5150-DBB7EEA70A05}"/>
+              </a:ext>
+            </a:extLst>
+          </p:cNvPr>
+          <p:cNvPicPr>
+            <a:picLocks noChangeAspect="1"/>
+          </p:cNvPicPr>
+          <p:nvPr/>
+        </p:nvPicPr>
+        <p:blipFill>
+          <a:blip r:embed="rId2"/>
+          <a:stretch>
+            <a:fillRect/>
+          </a:stretch>
+        </p:blipFill>
+        <p:spPr>
+          <a:xfrm>
+            <a:off x="594360" y="3429000"/>
+            <a:ext cx="2720463" cy="1179576"/>
+          </a:xfrm>
+          <a:prstGeom prst="rect">
+            <a:avLst/>
+          </a:prstGeom>
+        </p:spPr>
+      </p:pic>
+      <p:pic>
+        <p:nvPicPr>
+          <p:cNvPr id="7" name="그림 6">
+            <a:extLst>
+              <a:ext uri="{FF2B5EF4-FFF2-40B4-BE49-F238E27FC236}">
+                <a16:creationId xmlns:a16="http://schemas.microsoft.com/office/drawing/2014/main" id="{27932CC0-A3E1-A446-023E-93F1D1A3382E}"/>
+              </a:ext>
+            </a:extLst>
+          </p:cNvPr>
+          <p:cNvPicPr>
+            <a:picLocks noChangeAspect="1"/>
+          </p:cNvPicPr>
+          <p:nvPr/>
+        </p:nvPicPr>
+        <p:blipFill>
+          <a:blip r:embed="rId3"/>
+          <a:stretch>
+            <a:fillRect/>
+          </a:stretch>
+        </p:blipFill>
+        <p:spPr>
+          <a:xfrm>
+            <a:off x="4358640" y="3429000"/>
+            <a:ext cx="1676400" cy="1206500"/>
+          </a:xfrm>
+          <a:prstGeom prst="rect">
+            <a:avLst/>
+          </a:prstGeom>
+        </p:spPr>
+      </p:pic>
+      <p:sp>
+        <p:nvSpPr>
+          <p:cNvPr id="8" name="직사각형 7">
+            <a:extLst>
+              <a:ext uri="{FF2B5EF4-FFF2-40B4-BE49-F238E27FC236}">
+                <a16:creationId xmlns:a16="http://schemas.microsoft.com/office/drawing/2014/main" id="{E7311E9B-8EC0-6F52-1A1E-A005E037BD38}"/>
+              </a:ext>
+            </a:extLst>
+          </p:cNvPr>
+          <p:cNvSpPr/>
+          <p:nvPr/>
+        </p:nvSpPr>
+        <p:spPr>
+          <a:xfrm>
+            <a:off x="6156962" y="2138680"/>
+            <a:ext cx="162560" cy="4546600"/>
+          </a:xfrm>
+          <a:prstGeom prst="rect">
+            <a:avLst/>
+          </a:prstGeom>
+          <a:solidFill>
+            <a:schemeClr val="bg1">
+              <a:lumMod val="85000"/>
+            </a:schemeClr>
+          </a:solidFill>
+        </p:spPr>
+        <p:style>
+          <a:lnRef idx="2">
+            <a:schemeClr val="accent1">
+              <a:shade val="15000"/>
+            </a:schemeClr>
+          </a:lnRef>
+          <a:fillRef idx="1">
+            <a:schemeClr val="accent1"/>
+          </a:fillRef>
+          <a:effectRef idx="0">
+            <a:schemeClr val="accent1"/>
+          </a:effectRef>
+          <a:fontRef idx="minor">
+            <a:schemeClr val="lt1"/>
+          </a:fontRef>
+        </p:style>
+        <p:txBody>
+          <a:bodyPr rtlCol="0" anchor="ctr"/>
+          <a:lstStyle/>
+          <a:p>
+            <a:pPr algn="ctr"/>
+            <a:endParaRPr kumimoji="1" lang="ko-Kore-KR" altLang="en-US"/>
+          </a:p>
+        </p:txBody>
+      </p:sp>
+      <p:sp>
+        <p:nvSpPr>
+          <p:cNvPr id="9" name="직사각형 8">
+            <a:extLst>
+              <a:ext uri="{FF2B5EF4-FFF2-40B4-BE49-F238E27FC236}">
+                <a16:creationId xmlns:a16="http://schemas.microsoft.com/office/drawing/2014/main" id="{FC08A859-2BA6-4D5F-1398-1DA116AF9E0B}"/>
+              </a:ext>
+            </a:extLst>
+          </p:cNvPr>
+          <p:cNvSpPr/>
+          <p:nvPr/>
+        </p:nvSpPr>
+        <p:spPr>
+          <a:xfrm>
+            <a:off x="9428482" y="2138680"/>
+            <a:ext cx="162560" cy="4546600"/>
+          </a:xfrm>
+          <a:prstGeom prst="rect">
+            <a:avLst/>
+          </a:prstGeom>
+          <a:solidFill>
+            <a:schemeClr val="bg1">
+              <a:lumMod val="85000"/>
+            </a:schemeClr>
+          </a:solidFill>
+        </p:spPr>
+        <p:style>
+          <a:lnRef idx="2">
+            <a:schemeClr val="accent1">
+              <a:shade val="15000"/>
+            </a:schemeClr>
+          </a:lnRef>
+          <a:fillRef idx="1">
+            <a:schemeClr val="accent1"/>
+          </a:fillRef>
+          <a:effectRef idx="0">
+            <a:schemeClr val="accent1"/>
+          </a:effectRef>
+          <a:fontRef idx="minor">
+            <a:schemeClr val="lt1"/>
+          </a:fontRef>
+        </p:style>
+        <p:txBody>
+          <a:bodyPr rtlCol="0" anchor="ctr"/>
+          <a:lstStyle/>
+          <a:p>
+            <a:pPr algn="ctr"/>
+            <a:endParaRPr kumimoji="1" lang="ko-Kore-KR" altLang="en-US"/>
+          </a:p>
+        </p:txBody>
+      </p:sp>
+      <p:pic>
+        <p:nvPicPr>
+          <p:cNvPr id="10" name="그림 9">
+            <a:extLst>
+              <a:ext uri="{FF2B5EF4-FFF2-40B4-BE49-F238E27FC236}">
+                <a16:creationId xmlns:a16="http://schemas.microsoft.com/office/drawing/2014/main" id="{4D92C4A5-33D2-E9D6-F563-A4BFB04AD163}"/>
+              </a:ext>
+            </a:extLst>
+          </p:cNvPr>
+          <p:cNvPicPr>
+            <a:picLocks noChangeAspect="1"/>
+          </p:cNvPicPr>
+          <p:nvPr/>
+        </p:nvPicPr>
+        <p:blipFill>
+          <a:blip r:embed="rId4"/>
+          <a:stretch>
+            <a:fillRect/>
+          </a:stretch>
+        </p:blipFill>
+        <p:spPr>
+          <a:xfrm>
+            <a:off x="9591042" y="2933573"/>
+            <a:ext cx="2700980" cy="2170430"/>
+          </a:xfrm>
+          <a:prstGeom prst="rect">
+            <a:avLst/>
+          </a:prstGeom>
+        </p:spPr>
+      </p:pic>
+      <p:cxnSp>
+        <p:nvCxnSpPr>
+          <p:cNvPr id="15" name="직선 연결선[R] 14">
+            <a:extLst>
+              <a:ext uri="{FF2B5EF4-FFF2-40B4-BE49-F238E27FC236}">
+                <a16:creationId xmlns:a16="http://schemas.microsoft.com/office/drawing/2014/main" id="{404A404B-D452-1308-78AF-F934BF9149FD}"/>
+              </a:ext>
+            </a:extLst>
+          </p:cNvPr>
+          <p:cNvCxnSpPr>
+            <a:cxnSpLocks/>
+          </p:cNvCxnSpPr>
+          <p:nvPr/>
+        </p:nvCxnSpPr>
+        <p:spPr>
+          <a:xfrm>
+            <a:off x="3764280" y="2179320"/>
+            <a:ext cx="0" cy="4439920"/>
+          </a:xfrm>
+          <a:prstGeom prst="line">
+            <a:avLst/>
+          </a:prstGeom>
+          <a:ln w="38100">
+            <a:solidFill>
+              <a:schemeClr val="tx1"/>
+            </a:solidFill>
+            <a:prstDash val="dash"/>
+          </a:ln>
+        </p:spPr>
+        <p:style>
+          <a:lnRef idx="1">
+            <a:schemeClr val="accent1"/>
+          </a:lnRef>
+          <a:fillRef idx="0">
+            <a:schemeClr val="accent1"/>
+          </a:fillRef>
+          <a:effectRef idx="0">
+            <a:schemeClr val="accent1"/>
+          </a:effectRef>
+          <a:fontRef idx="minor">
+            <a:schemeClr val="tx1"/>
+          </a:fontRef>
+        </p:style>
+      </p:cxnSp>
+      <p:sp>
+        <p:nvSpPr>
+          <p:cNvPr id="20" name="TextBox 19">
+            <a:extLst>
+              <a:ext uri="{FF2B5EF4-FFF2-40B4-BE49-F238E27FC236}">
+                <a16:creationId xmlns:a16="http://schemas.microsoft.com/office/drawing/2014/main" id="{91113B4F-A894-25FB-9B52-75F50E79A97D}"/>
+              </a:ext>
+            </a:extLst>
+          </p:cNvPr>
+          <p:cNvSpPr txBox="1"/>
+          <p:nvPr/>
+        </p:nvSpPr>
+        <p:spPr>
+          <a:xfrm>
+            <a:off x="1265980" y="5334000"/>
+            <a:ext cx="1301959" cy="369332"/>
+          </a:xfrm>
+          <a:prstGeom prst="rect">
+            <a:avLst/>
+          </a:prstGeom>
+          <a:noFill/>
+        </p:spPr>
+        <p:txBody>
+          <a:bodyPr wrap="none" rtlCol="0">
+            <a:spAutoFit/>
+          </a:bodyPr>
+          <a:lstStyle/>
+          <a:p>
+            <a:r>
+              <a:rPr kumimoji="1" lang="ko-Kore-KR" altLang="en-US" dirty="0"/>
+              <a:t>물리적 포트</a:t>
+            </a:r>
+          </a:p>
+        </p:txBody>
+      </p:sp>
+      <p:sp>
+        <p:nvSpPr>
+          <p:cNvPr id="21" name="TextBox 20">
+            <a:extLst>
+              <a:ext uri="{FF2B5EF4-FFF2-40B4-BE49-F238E27FC236}">
+                <a16:creationId xmlns:a16="http://schemas.microsoft.com/office/drawing/2014/main" id="{D253AFAB-32F2-AAFA-4D51-5B06BC784BA7}"/>
+              </a:ext>
+            </a:extLst>
+          </p:cNvPr>
+          <p:cNvSpPr txBox="1"/>
+          <p:nvPr/>
+        </p:nvSpPr>
+        <p:spPr>
+          <a:xfrm>
+            <a:off x="7223022" y="6009640"/>
+            <a:ext cx="1301959" cy="369332"/>
+          </a:xfrm>
+          <a:prstGeom prst="rect">
+            <a:avLst/>
+          </a:prstGeom>
+          <a:noFill/>
+        </p:spPr>
+        <p:txBody>
+          <a:bodyPr wrap="none" rtlCol="0">
+            <a:spAutoFit/>
+          </a:bodyPr>
+          <a:lstStyle/>
+          <a:p>
+            <a:r>
+              <a:rPr kumimoji="1" lang="ko-Kore-KR" altLang="en-US" dirty="0"/>
+              <a:t>논리적 포트</a:t>
+            </a:r>
+          </a:p>
+        </p:txBody>
+      </p:sp>
+      <p:cxnSp>
+        <p:nvCxnSpPr>
+          <p:cNvPr id="23" name="직선 화살표 연결선 22">
+            <a:extLst>
+              <a:ext uri="{FF2B5EF4-FFF2-40B4-BE49-F238E27FC236}">
+                <a16:creationId xmlns:a16="http://schemas.microsoft.com/office/drawing/2014/main" id="{EF34C813-99F2-638C-6F09-54F2565794A1}"/>
+              </a:ext>
+            </a:extLst>
+          </p:cNvPr>
+          <p:cNvCxnSpPr>
+            <a:cxnSpLocks/>
+          </p:cNvCxnSpPr>
+          <p:nvPr/>
+        </p:nvCxnSpPr>
+        <p:spPr>
+          <a:xfrm>
+            <a:off x="6199632" y="2392680"/>
+            <a:ext cx="3355848" cy="0"/>
+          </a:xfrm>
+          <a:prstGeom prst="straightConnector1">
+            <a:avLst/>
+          </a:prstGeom>
+          <a:ln w="38100">
+            <a:solidFill>
+              <a:schemeClr val="tx1"/>
+            </a:solidFill>
+            <a:prstDash val="dash"/>
+            <a:headEnd type="triangle"/>
+            <a:tailEnd type="triangle"/>
+          </a:ln>
+        </p:spPr>
+        <p:style>
+          <a:lnRef idx="1">
+            <a:schemeClr val="accent1"/>
+          </a:lnRef>
+          <a:fillRef idx="0">
+            <a:schemeClr val="accent1"/>
+          </a:fillRef>
+          <a:effectRef idx="0">
+            <a:schemeClr val="accent1"/>
+          </a:effectRef>
+          <a:fontRef idx="minor">
+            <a:schemeClr val="tx1"/>
+          </a:fontRef>
+        </p:style>
+      </p:cxnSp>
+      <p:cxnSp>
+        <p:nvCxnSpPr>
+          <p:cNvPr id="25" name="직선 화살표 연결선 24">
+            <a:extLst>
+              <a:ext uri="{FF2B5EF4-FFF2-40B4-BE49-F238E27FC236}">
+                <a16:creationId xmlns:a16="http://schemas.microsoft.com/office/drawing/2014/main" id="{01748082-69B7-7A8D-CBE0-9887C8B1724C}"/>
+              </a:ext>
+            </a:extLst>
+          </p:cNvPr>
+          <p:cNvCxnSpPr>
+            <a:cxnSpLocks/>
+          </p:cNvCxnSpPr>
+          <p:nvPr/>
+        </p:nvCxnSpPr>
+        <p:spPr>
+          <a:xfrm>
+            <a:off x="6199632" y="2692400"/>
+            <a:ext cx="3355848" cy="0"/>
+          </a:xfrm>
+          <a:prstGeom prst="straightConnector1">
+            <a:avLst/>
+          </a:prstGeom>
+          <a:ln w="38100">
+            <a:solidFill>
+              <a:schemeClr val="tx1"/>
+            </a:solidFill>
+            <a:prstDash val="dash"/>
+            <a:headEnd type="triangle"/>
+            <a:tailEnd type="triangle"/>
+          </a:ln>
+        </p:spPr>
+        <p:style>
+          <a:lnRef idx="1">
+            <a:schemeClr val="accent1"/>
+          </a:lnRef>
+          <a:fillRef idx="0">
+            <a:schemeClr val="accent1"/>
+          </a:fillRef>
+          <a:effectRef idx="0">
+            <a:schemeClr val="accent1"/>
+          </a:effectRef>
+          <a:fontRef idx="minor">
+            <a:schemeClr val="tx1"/>
+          </a:fontRef>
+        </p:style>
+      </p:cxnSp>
+      <p:cxnSp>
+        <p:nvCxnSpPr>
+          <p:cNvPr id="26" name="직선 화살표 연결선 25">
+            <a:extLst>
+              <a:ext uri="{FF2B5EF4-FFF2-40B4-BE49-F238E27FC236}">
+                <a16:creationId xmlns:a16="http://schemas.microsoft.com/office/drawing/2014/main" id="{E085AC5A-4447-B815-7A87-8B92495B76DD}"/>
+              </a:ext>
+            </a:extLst>
+          </p:cNvPr>
+          <p:cNvCxnSpPr>
+            <a:cxnSpLocks/>
+          </p:cNvCxnSpPr>
+          <p:nvPr/>
+        </p:nvCxnSpPr>
+        <p:spPr>
+          <a:xfrm>
+            <a:off x="6199632" y="2971800"/>
+            <a:ext cx="3355848" cy="0"/>
+          </a:xfrm>
+          <a:prstGeom prst="straightConnector1">
+            <a:avLst/>
+          </a:prstGeom>
+          <a:ln w="38100">
+            <a:solidFill>
+              <a:schemeClr val="tx1"/>
+            </a:solidFill>
+            <a:prstDash val="dash"/>
+            <a:headEnd type="triangle"/>
+            <a:tailEnd type="triangle"/>
+          </a:ln>
+        </p:spPr>
+        <p:style>
+          <a:lnRef idx="1">
+            <a:schemeClr val="accent1"/>
+          </a:lnRef>
+          <a:fillRef idx="0">
+            <a:schemeClr val="accent1"/>
+          </a:fillRef>
+          <a:effectRef idx="0">
+            <a:schemeClr val="accent1"/>
+          </a:effectRef>
+          <a:fontRef idx="minor">
+            <a:schemeClr val="tx1"/>
+          </a:fontRef>
+        </p:style>
+      </p:cxnSp>
+      <p:cxnSp>
+        <p:nvCxnSpPr>
+          <p:cNvPr id="27" name="직선 화살표 연결선 26">
+            <a:extLst>
+              <a:ext uri="{FF2B5EF4-FFF2-40B4-BE49-F238E27FC236}">
+                <a16:creationId xmlns:a16="http://schemas.microsoft.com/office/drawing/2014/main" id="{9A227A47-93CC-45DC-78DA-A76EC65D0323}"/>
+              </a:ext>
+            </a:extLst>
+          </p:cNvPr>
+          <p:cNvCxnSpPr>
+            <a:cxnSpLocks/>
+          </p:cNvCxnSpPr>
+          <p:nvPr/>
+        </p:nvCxnSpPr>
+        <p:spPr>
+          <a:xfrm>
+            <a:off x="6199632" y="3271520"/>
+            <a:ext cx="3355848" cy="0"/>
+          </a:xfrm>
+          <a:prstGeom prst="straightConnector1">
+            <a:avLst/>
+          </a:prstGeom>
+          <a:ln w="38100">
+            <a:solidFill>
+              <a:schemeClr val="tx1"/>
+            </a:solidFill>
+            <a:prstDash val="dash"/>
+            <a:headEnd type="triangle"/>
+            <a:tailEnd type="triangle"/>
+          </a:ln>
+        </p:spPr>
+        <p:style>
+          <a:lnRef idx="1">
+            <a:schemeClr val="accent1"/>
+          </a:lnRef>
+          <a:fillRef idx="0">
+            <a:schemeClr val="accent1"/>
+          </a:fillRef>
+          <a:effectRef idx="0">
+            <a:schemeClr val="accent1"/>
+          </a:effectRef>
+          <a:fontRef idx="minor">
+            <a:schemeClr val="tx1"/>
+          </a:fontRef>
+        </p:style>
+      </p:cxnSp>
+      <p:cxnSp>
+        <p:nvCxnSpPr>
+          <p:cNvPr id="28" name="직선 화살표 연결선 27">
+            <a:extLst>
+              <a:ext uri="{FF2B5EF4-FFF2-40B4-BE49-F238E27FC236}">
+                <a16:creationId xmlns:a16="http://schemas.microsoft.com/office/drawing/2014/main" id="{7810DAE7-9A50-436B-F8FD-8DAA1DE266D8}"/>
+              </a:ext>
+            </a:extLst>
+          </p:cNvPr>
+          <p:cNvCxnSpPr>
+            <a:cxnSpLocks/>
+          </p:cNvCxnSpPr>
+          <p:nvPr/>
+        </p:nvCxnSpPr>
+        <p:spPr>
+          <a:xfrm>
+            <a:off x="6199632" y="3571240"/>
+            <a:ext cx="3355848" cy="0"/>
+          </a:xfrm>
+          <a:prstGeom prst="straightConnector1">
+            <a:avLst/>
+          </a:prstGeom>
+          <a:ln w="38100">
+            <a:solidFill>
+              <a:schemeClr val="tx1"/>
+            </a:solidFill>
+            <a:prstDash val="dash"/>
+            <a:headEnd type="triangle"/>
+            <a:tailEnd type="triangle"/>
+          </a:ln>
+        </p:spPr>
+        <p:style>
+          <a:lnRef idx="1">
+            <a:schemeClr val="accent1"/>
+          </a:lnRef>
+          <a:fillRef idx="0">
+            <a:schemeClr val="accent1"/>
+          </a:fillRef>
+          <a:effectRef idx="0">
+            <a:schemeClr val="accent1"/>
+          </a:effectRef>
+          <a:fontRef idx="minor">
+            <a:schemeClr val="tx1"/>
+          </a:fontRef>
+        </p:style>
+      </p:cxnSp>
+      <p:cxnSp>
+        <p:nvCxnSpPr>
+          <p:cNvPr id="29" name="직선 화살표 연결선 28">
+            <a:extLst>
+              <a:ext uri="{FF2B5EF4-FFF2-40B4-BE49-F238E27FC236}">
+                <a16:creationId xmlns:a16="http://schemas.microsoft.com/office/drawing/2014/main" id="{053F76D5-CFCE-06BF-84B8-D6D5790DD090}"/>
+              </a:ext>
+            </a:extLst>
+          </p:cNvPr>
+          <p:cNvCxnSpPr>
+            <a:cxnSpLocks/>
+          </p:cNvCxnSpPr>
+          <p:nvPr/>
+        </p:nvCxnSpPr>
+        <p:spPr>
+          <a:xfrm>
+            <a:off x="6199632" y="3850640"/>
+            <a:ext cx="3355848" cy="0"/>
+          </a:xfrm>
+          <a:prstGeom prst="straightConnector1">
+            <a:avLst/>
+          </a:prstGeom>
+          <a:ln w="38100">
+            <a:solidFill>
+              <a:schemeClr val="tx1"/>
+            </a:solidFill>
+            <a:prstDash val="dash"/>
+            <a:headEnd type="triangle"/>
+            <a:tailEnd type="triangle"/>
+          </a:ln>
+        </p:spPr>
+        <p:style>
+          <a:lnRef idx="1">
+            <a:schemeClr val="accent1"/>
+          </a:lnRef>
+          <a:fillRef idx="0">
+            <a:schemeClr val="accent1"/>
+          </a:fillRef>
+          <a:effectRef idx="0">
+            <a:schemeClr val="accent1"/>
+          </a:effectRef>
+          <a:fontRef idx="minor">
+            <a:schemeClr val="tx1"/>
+          </a:fontRef>
+        </p:style>
+      </p:cxnSp>
+      <p:grpSp>
+        <p:nvGrpSpPr>
+          <p:cNvPr id="33" name="그룹 32">
+            <a:extLst>
+              <a:ext uri="{FF2B5EF4-FFF2-40B4-BE49-F238E27FC236}">
+                <a16:creationId xmlns:a16="http://schemas.microsoft.com/office/drawing/2014/main" id="{0FE0472C-377B-3443-0F7C-6953F0574EDF}"/>
+              </a:ext>
+            </a:extLst>
+          </p:cNvPr>
+          <p:cNvGrpSpPr/>
+          <p:nvPr/>
+        </p:nvGrpSpPr>
+        <p:grpSpPr>
+          <a:xfrm>
+            <a:off x="7757159" y="4411980"/>
+            <a:ext cx="116842" cy="662941"/>
+            <a:chOff x="7757159" y="4411980"/>
+            <a:chExt cx="116842" cy="662941"/>
+          </a:xfrm>
+          <a:solidFill>
+            <a:schemeClr val="tx1"/>
+          </a:solidFill>
+        </p:grpSpPr>
+        <p:sp>
+          <p:nvSpPr>
+            <p:cNvPr id="30" name="타원 29">
+              <a:extLst>
+                <a:ext uri="{FF2B5EF4-FFF2-40B4-BE49-F238E27FC236}">
+                  <a16:creationId xmlns:a16="http://schemas.microsoft.com/office/drawing/2014/main" id="{5ECEA261-3EA1-1DEB-6737-886847392A2C}"/>
+                </a:ext>
+              </a:extLst>
+            </p:cNvPr>
+            <p:cNvSpPr/>
+            <p:nvPr/>
+          </p:nvSpPr>
+          <p:spPr>
+            <a:xfrm>
+              <a:off x="7757160" y="4411980"/>
+              <a:ext cx="116841" cy="116841"/>
+            </a:xfrm>
+            <a:prstGeom prst="ellipse">
+              <a:avLst/>
+            </a:prstGeom>
+            <a:grpFill/>
+          </p:spPr>
+          <p:style>
+            <a:lnRef idx="2">
+              <a:schemeClr val="accent1">
+                <a:shade val="15000"/>
+              </a:schemeClr>
+            </a:lnRef>
+            <a:fillRef idx="1">
+              <a:schemeClr val="accent1"/>
+            </a:fillRef>
+            <a:effectRef idx="0">
+              <a:schemeClr val="accent1"/>
+            </a:effectRef>
+            <a:fontRef idx="minor">
+              <a:schemeClr val="lt1"/>
+            </a:fontRef>
+          </p:style>
+          <p:txBody>
+            <a:bodyPr rtlCol="0" anchor="ctr"/>
+            <a:lstStyle/>
+            <a:p>
+              <a:pPr algn="ctr"/>
+              <a:endParaRPr kumimoji="1" lang="ko-Kore-KR" altLang="en-US"/>
+            </a:p>
+          </p:txBody>
+        </p:sp>
+        <p:sp>
+          <p:nvSpPr>
+            <p:cNvPr id="31" name="타원 30">
+              <a:extLst>
+                <a:ext uri="{FF2B5EF4-FFF2-40B4-BE49-F238E27FC236}">
+                  <a16:creationId xmlns:a16="http://schemas.microsoft.com/office/drawing/2014/main" id="{E08E2387-9F6D-6509-E206-C7521629AFC4}"/>
+                </a:ext>
+              </a:extLst>
+            </p:cNvPr>
+            <p:cNvSpPr/>
+            <p:nvPr/>
+          </p:nvSpPr>
+          <p:spPr>
+            <a:xfrm>
+              <a:off x="7757159" y="4693919"/>
+              <a:ext cx="116841" cy="116841"/>
+            </a:xfrm>
+            <a:prstGeom prst="ellipse">
+              <a:avLst/>
+            </a:prstGeom>
+            <a:grpFill/>
+          </p:spPr>
+          <p:style>
+            <a:lnRef idx="2">
+              <a:schemeClr val="accent1">
+                <a:shade val="15000"/>
+              </a:schemeClr>
+            </a:lnRef>
+            <a:fillRef idx="1">
+              <a:schemeClr val="accent1"/>
+            </a:fillRef>
+            <a:effectRef idx="0">
+              <a:schemeClr val="accent1"/>
+            </a:effectRef>
+            <a:fontRef idx="minor">
+              <a:schemeClr val="lt1"/>
+            </a:fontRef>
+          </p:style>
+          <p:txBody>
+            <a:bodyPr rtlCol="0" anchor="ctr"/>
+            <a:lstStyle/>
+            <a:p>
+              <a:pPr algn="ctr"/>
+              <a:endParaRPr kumimoji="1" lang="ko-Kore-KR" altLang="en-US"/>
+            </a:p>
+          </p:txBody>
+        </p:sp>
+        <p:sp>
+          <p:nvSpPr>
+            <p:cNvPr id="32" name="타원 31">
+              <a:extLst>
+                <a:ext uri="{FF2B5EF4-FFF2-40B4-BE49-F238E27FC236}">
+                  <a16:creationId xmlns:a16="http://schemas.microsoft.com/office/drawing/2014/main" id="{F5B314F5-51F7-0891-9EE1-5FAD24BB4A51}"/>
+                </a:ext>
+              </a:extLst>
+            </p:cNvPr>
+            <p:cNvSpPr/>
+            <p:nvPr/>
+          </p:nvSpPr>
+          <p:spPr>
+            <a:xfrm>
+              <a:off x="7757159" y="4958080"/>
+              <a:ext cx="116841" cy="116841"/>
+            </a:xfrm>
+            <a:prstGeom prst="ellipse">
+              <a:avLst/>
+            </a:prstGeom>
+            <a:grpFill/>
+          </p:spPr>
+          <p:style>
+            <a:lnRef idx="2">
+              <a:schemeClr val="accent1">
+                <a:shade val="15000"/>
+              </a:schemeClr>
+            </a:lnRef>
+            <a:fillRef idx="1">
+              <a:schemeClr val="accent1"/>
+            </a:fillRef>
+            <a:effectRef idx="0">
+              <a:schemeClr val="accent1"/>
+            </a:effectRef>
+            <a:fontRef idx="minor">
+              <a:schemeClr val="lt1"/>
+            </a:fontRef>
+          </p:style>
+          <p:txBody>
+            <a:bodyPr rtlCol="0" anchor="ctr"/>
+            <a:lstStyle/>
+            <a:p>
+              <a:pPr algn="ctr"/>
+              <a:endParaRPr kumimoji="1" lang="ko-Kore-KR" altLang="en-US"/>
+            </a:p>
+          </p:txBody>
+        </p:sp>
+      </p:grpSp>
+      <p:sp>
+        <p:nvSpPr>
+          <p:cNvPr id="34" name="TextBox 33">
+            <a:extLst>
+              <a:ext uri="{FF2B5EF4-FFF2-40B4-BE49-F238E27FC236}">
+                <a16:creationId xmlns:a16="http://schemas.microsoft.com/office/drawing/2014/main" id="{DD12F059-5009-B370-1A34-54741119D706}"/>
+              </a:ext>
+            </a:extLst>
+          </p:cNvPr>
+          <p:cNvSpPr txBox="1"/>
+          <p:nvPr/>
+        </p:nvSpPr>
+        <p:spPr>
+          <a:xfrm>
+            <a:off x="5738258" y="2507734"/>
+            <a:ext cx="418704" cy="369332"/>
+          </a:xfrm>
+          <a:prstGeom prst="rect">
+            <a:avLst/>
+          </a:prstGeom>
+          <a:noFill/>
+        </p:spPr>
+        <p:txBody>
+          <a:bodyPr wrap="none" rtlCol="0">
+            <a:spAutoFit/>
+          </a:bodyPr>
+          <a:lstStyle/>
+          <a:p>
+            <a:r>
+              <a:rPr kumimoji="1" lang="en-US" altLang="ko-KR" dirty="0"/>
+              <a:t>21</a:t>
+            </a:r>
+            <a:endParaRPr kumimoji="1" lang="ko-Kore-KR" altLang="en-US" dirty="0"/>
+          </a:p>
+        </p:txBody>
+      </p:sp>
+      <p:sp>
+        <p:nvSpPr>
+          <p:cNvPr id="35" name="TextBox 34">
+            <a:extLst>
+              <a:ext uri="{FF2B5EF4-FFF2-40B4-BE49-F238E27FC236}">
+                <a16:creationId xmlns:a16="http://schemas.microsoft.com/office/drawing/2014/main" id="{62B641DE-2F65-3424-418C-03C5C67DEFDD}"/>
+              </a:ext>
+            </a:extLst>
+          </p:cNvPr>
+          <p:cNvSpPr txBox="1"/>
+          <p:nvPr/>
+        </p:nvSpPr>
+        <p:spPr>
+          <a:xfrm>
+            <a:off x="5699648" y="3386574"/>
+            <a:ext cx="460382" cy="369332"/>
+          </a:xfrm>
+          <a:prstGeom prst="rect">
+            <a:avLst/>
+          </a:prstGeom>
+          <a:noFill/>
+        </p:spPr>
+        <p:txBody>
+          <a:bodyPr wrap="none" rtlCol="0">
+            <a:spAutoFit/>
+          </a:bodyPr>
+          <a:lstStyle/>
+          <a:p>
+            <a:r>
+              <a:rPr kumimoji="1" lang="en-US" altLang="ko-KR" dirty="0"/>
+              <a:t>80</a:t>
+            </a:r>
+            <a:endParaRPr kumimoji="1" lang="ko-Kore-KR" altLang="en-US" dirty="0"/>
+          </a:p>
+        </p:txBody>
+      </p:sp>
+      <p:sp>
+        <p:nvSpPr>
+          <p:cNvPr id="36" name="TextBox 35">
+            <a:extLst>
+              <a:ext uri="{FF2B5EF4-FFF2-40B4-BE49-F238E27FC236}">
+                <a16:creationId xmlns:a16="http://schemas.microsoft.com/office/drawing/2014/main" id="{18D950DF-CC74-D9F0-5147-E3EDFB0AC43D}"/>
+              </a:ext>
+            </a:extLst>
+          </p:cNvPr>
+          <p:cNvSpPr txBox="1"/>
+          <p:nvPr/>
+        </p:nvSpPr>
+        <p:spPr>
+          <a:xfrm>
+            <a:off x="9598150" y="2517259"/>
+            <a:ext cx="418704" cy="369332"/>
+          </a:xfrm>
+          <a:prstGeom prst="rect">
+            <a:avLst/>
+          </a:prstGeom>
+          <a:noFill/>
+        </p:spPr>
+        <p:txBody>
+          <a:bodyPr wrap="none" rtlCol="0">
+            <a:spAutoFit/>
+          </a:bodyPr>
+          <a:lstStyle/>
+          <a:p>
+            <a:r>
+              <a:rPr kumimoji="1" lang="en-US" altLang="ko-KR" dirty="0"/>
+              <a:t>21</a:t>
+            </a:r>
+            <a:endParaRPr kumimoji="1" lang="ko-Kore-KR" altLang="en-US" dirty="0"/>
+          </a:p>
+        </p:txBody>
+      </p:sp>
+      <p:sp>
+        <p:nvSpPr>
+          <p:cNvPr id="37" name="TextBox 36">
+            <a:extLst>
+              <a:ext uri="{FF2B5EF4-FFF2-40B4-BE49-F238E27FC236}">
+                <a16:creationId xmlns:a16="http://schemas.microsoft.com/office/drawing/2014/main" id="{E392A4A5-0435-37D5-F98B-EAD41887B2A4}"/>
+              </a:ext>
+            </a:extLst>
+          </p:cNvPr>
+          <p:cNvSpPr txBox="1"/>
+          <p:nvPr/>
+        </p:nvSpPr>
+        <p:spPr>
+          <a:xfrm>
+            <a:off x="9577832" y="3396870"/>
+            <a:ext cx="460382" cy="369332"/>
+          </a:xfrm>
+          <a:prstGeom prst="rect">
+            <a:avLst/>
+          </a:prstGeom>
+          <a:noFill/>
+        </p:spPr>
+        <p:txBody>
+          <a:bodyPr wrap="none" rtlCol="0">
+            <a:spAutoFit/>
+          </a:bodyPr>
+          <a:lstStyle/>
+          <a:p>
+            <a:r>
+              <a:rPr kumimoji="1" lang="en-US" altLang="ko-KR" dirty="0"/>
+              <a:t>80</a:t>
+            </a:r>
+            <a:endParaRPr kumimoji="1" lang="ko-Kore-KR" altLang="en-US" dirty="0"/>
+          </a:p>
+        </p:txBody>
+      </p:sp>
+      <p:sp>
+        <p:nvSpPr>
+          <p:cNvPr id="38" name="TextBox 37">
+            <a:extLst>
+              <a:ext uri="{FF2B5EF4-FFF2-40B4-BE49-F238E27FC236}">
+                <a16:creationId xmlns:a16="http://schemas.microsoft.com/office/drawing/2014/main" id="{B8D4C8F5-567D-BFCB-C1BE-5E3A86DD3594}"/>
+              </a:ext>
+            </a:extLst>
+          </p:cNvPr>
+          <p:cNvSpPr txBox="1"/>
+          <p:nvPr/>
+        </p:nvSpPr>
+        <p:spPr>
+          <a:xfrm>
+            <a:off x="10502950" y="5430520"/>
+            <a:ext cx="877163" cy="369332"/>
+          </a:xfrm>
+          <a:prstGeom prst="rect">
+            <a:avLst/>
+          </a:prstGeom>
+          <a:noFill/>
+        </p:spPr>
+        <p:txBody>
+          <a:bodyPr wrap="none" rtlCol="0">
+            <a:spAutoFit/>
+          </a:bodyPr>
+          <a:lstStyle/>
+          <a:p>
+            <a:r>
+              <a:rPr kumimoji="1" lang="en-US" altLang="ko-Kore-KR" dirty="0"/>
+              <a:t>Server</a:t>
+            </a:r>
+            <a:endParaRPr kumimoji="1" lang="ko-Kore-KR" altLang="en-US" dirty="0"/>
+          </a:p>
+        </p:txBody>
+      </p:sp>
+      <p:sp>
+        <p:nvSpPr>
+          <p:cNvPr id="39" name="TextBox 38">
+            <a:extLst>
+              <a:ext uri="{FF2B5EF4-FFF2-40B4-BE49-F238E27FC236}">
+                <a16:creationId xmlns:a16="http://schemas.microsoft.com/office/drawing/2014/main" id="{58A3509D-DB65-397C-B83F-2CBF021AB560}"/>
+              </a:ext>
+            </a:extLst>
+          </p:cNvPr>
+          <p:cNvSpPr txBox="1"/>
+          <p:nvPr/>
+        </p:nvSpPr>
+        <p:spPr>
+          <a:xfrm>
+            <a:off x="4628720" y="5430520"/>
+            <a:ext cx="787395" cy="369332"/>
+          </a:xfrm>
+          <a:prstGeom prst="rect">
+            <a:avLst/>
+          </a:prstGeom>
+          <a:noFill/>
+        </p:spPr>
+        <p:txBody>
+          <a:bodyPr wrap="none" rtlCol="0">
+            <a:spAutoFit/>
+          </a:bodyPr>
+          <a:lstStyle/>
+          <a:p>
+            <a:r>
+              <a:rPr kumimoji="1" lang="en-US" altLang="ko-Kore-KR" dirty="0"/>
+              <a:t>Client</a:t>
+            </a:r>
+            <a:endParaRPr kumimoji="1" lang="ko-Kore-KR" altLang="en-US" dirty="0"/>
+          </a:p>
+        </p:txBody>
+      </p:sp>
+      <p:sp>
+        <p:nvSpPr>
+          <p:cNvPr id="40" name="TextBox 39">
+            <a:extLst>
+              <a:ext uri="{FF2B5EF4-FFF2-40B4-BE49-F238E27FC236}">
+                <a16:creationId xmlns:a16="http://schemas.microsoft.com/office/drawing/2014/main" id="{15AA5D0E-4E40-9BD1-64B9-91631BDE9085}"/>
+              </a:ext>
+            </a:extLst>
+          </p:cNvPr>
+          <p:cNvSpPr txBox="1"/>
+          <p:nvPr/>
+        </p:nvSpPr>
+        <p:spPr>
+          <a:xfrm>
+            <a:off x="9524887" y="2041129"/>
+            <a:ext cx="1502334" cy="369332"/>
+          </a:xfrm>
+          <a:prstGeom prst="rect">
+            <a:avLst/>
+          </a:prstGeom>
+          <a:noFill/>
+        </p:spPr>
+        <p:txBody>
+          <a:bodyPr wrap="none" rtlCol="0">
+            <a:spAutoFit/>
+          </a:bodyPr>
+          <a:lstStyle/>
+          <a:p>
+            <a:r>
+              <a:rPr kumimoji="1" lang="en-US" altLang="ko-Kore-KR" dirty="0"/>
+              <a:t>&lt;&lt; Listen &gt;&gt;</a:t>
+            </a:r>
+            <a:endParaRPr kumimoji="1" lang="ko-Kore-KR" altLang="en-US" dirty="0"/>
+          </a:p>
+        </p:txBody>
+      </p:sp>
+      <p:sp>
+        <p:nvSpPr>
+          <p:cNvPr id="41" name="TextBox 40">
+            <a:extLst>
+              <a:ext uri="{FF2B5EF4-FFF2-40B4-BE49-F238E27FC236}">
+                <a16:creationId xmlns:a16="http://schemas.microsoft.com/office/drawing/2014/main" id="{A5CCCC63-9172-DBBC-56E2-541C6CE0CB74}"/>
+              </a:ext>
+            </a:extLst>
+          </p:cNvPr>
+          <p:cNvSpPr txBox="1"/>
+          <p:nvPr/>
+        </p:nvSpPr>
+        <p:spPr>
+          <a:xfrm>
+            <a:off x="4628720" y="2058912"/>
+            <a:ext cx="1625766" cy="369332"/>
+          </a:xfrm>
+          <a:prstGeom prst="rect">
+            <a:avLst/>
+          </a:prstGeom>
+          <a:noFill/>
+        </p:spPr>
+        <p:txBody>
+          <a:bodyPr wrap="none" rtlCol="0">
+            <a:spAutoFit/>
+          </a:bodyPr>
+          <a:lstStyle/>
+          <a:p>
+            <a:r>
+              <a:rPr kumimoji="1" lang="en-US" altLang="ko-Kore-KR" dirty="0"/>
+              <a:t>&lt;&lt; </a:t>
+            </a:r>
+            <a:r>
+              <a:rPr kumimoji="1" lang="en-US" altLang="ko-Kore-KR" dirty="0" err="1"/>
+              <a:t>Connet</a:t>
+            </a:r>
+            <a:r>
+              <a:rPr kumimoji="1" lang="en-US" altLang="ko-Kore-KR" dirty="0"/>
+              <a:t> &gt;&gt;</a:t>
+            </a:r>
+            <a:endParaRPr kumimoji="1" lang="ko-Kore-KR" altLang="en-US" dirty="0"/>
+          </a:p>
+        </p:txBody>
+      </p:sp>
+    </p:spTree>
+    <p:extLst>
+      <p:ext uri="{BB962C8B-B14F-4D97-AF65-F5344CB8AC3E}">
+        <p14:creationId xmlns:p14="http://schemas.microsoft.com/office/powerpoint/2010/main" val="260479635"/>
+      </p:ext>
+    </p:extLst>
+  </p:cSld>
+  <p:clrMapOvr>
+    <a:masterClrMapping/>
+  </p:clrMapOvr>
+</p:sld>
+</file>
+
+<file path=ppt/slides/slide12.xml><?xml version="1.0" encoding="utf-8"?>
+<p:sld xmlns:a="http://schemas.openxmlformats.org/drawingml/2006/main" xmlns:r="http://schemas.openxmlformats.org/officeDocument/2006/relationships" xmlns:p="http://schemas.openxmlformats.org/presentationml/2006/main">
+  <p:cSld>
+    <p:spTree>
+      <p:nvGrpSpPr>
+        <p:cNvPr id="1" name=""/>
+        <p:cNvGrpSpPr/>
+        <p:nvPr/>
+      </p:nvGrpSpPr>
+      <p:grpSpPr>
+        <a:xfrm>
+          <a:off x="0" y="0"/>
+          <a:ext cx="0" cy="0"/>
+          <a:chOff x="0" y="0"/>
+          <a:chExt cx="0" cy="0"/>
+        </a:xfrm>
+      </p:grpSpPr>
+      <p:sp>
+        <p:nvSpPr>
+          <p:cNvPr id="2" name="제목 1">
+            <a:extLst>
+              <a:ext uri="{FF2B5EF4-FFF2-40B4-BE49-F238E27FC236}">
+                <a16:creationId xmlns:a16="http://schemas.microsoft.com/office/drawing/2014/main" id="{B713A2FF-7418-1A86-C74C-266570239C28}"/>
+              </a:ext>
+            </a:extLst>
+          </p:cNvPr>
+          <p:cNvSpPr>
+            <a:spLocks noGrp="1"/>
+          </p:cNvSpPr>
+          <p:nvPr>
+            <p:ph type="title"/>
+          </p:nvPr>
+        </p:nvSpPr>
+        <p:spPr/>
+        <p:txBody>
+          <a:bodyPr/>
+          <a:lstStyle/>
+          <a:p>
+            <a:r>
+              <a:rPr kumimoji="1" lang="en-US" altLang="ko-Kore-KR" dirty="0"/>
+              <a:t>Popular Port</a:t>
+            </a:r>
+            <a:endParaRPr kumimoji="1" lang="ko-Kore-KR" altLang="en-US" dirty="0"/>
+          </a:p>
+        </p:txBody>
+      </p:sp>
+      <p:grpSp>
+        <p:nvGrpSpPr>
+          <p:cNvPr id="10" name="그룹 9">
+            <a:extLst>
+              <a:ext uri="{FF2B5EF4-FFF2-40B4-BE49-F238E27FC236}">
+                <a16:creationId xmlns:a16="http://schemas.microsoft.com/office/drawing/2014/main" id="{8519CAF3-3D42-C5B7-03AB-3BBAA169D447}"/>
+              </a:ext>
+            </a:extLst>
+          </p:cNvPr>
+          <p:cNvGrpSpPr/>
+          <p:nvPr/>
+        </p:nvGrpSpPr>
+        <p:grpSpPr>
+          <a:xfrm>
+            <a:off x="1602741" y="2423160"/>
+            <a:ext cx="8986519" cy="3728328"/>
+            <a:chOff x="1767841" y="2423160"/>
+            <a:chExt cx="8986519" cy="3728328"/>
+          </a:xfrm>
+        </p:grpSpPr>
+        <p:sp>
+          <p:nvSpPr>
+            <p:cNvPr id="5" name="TextBox 4">
+              <a:extLst>
+                <a:ext uri="{FF2B5EF4-FFF2-40B4-BE49-F238E27FC236}">
+                  <a16:creationId xmlns:a16="http://schemas.microsoft.com/office/drawing/2014/main" id="{7965984E-D7AC-D0ED-6737-EE4DC9CD6D0C}"/>
+                </a:ext>
+              </a:extLst>
+            </p:cNvPr>
+            <p:cNvSpPr txBox="1"/>
+            <p:nvPr/>
+          </p:nvSpPr>
+          <p:spPr>
+            <a:xfrm>
+              <a:off x="4874261" y="2423160"/>
+              <a:ext cx="2773679" cy="3728328"/>
+            </a:xfrm>
+            <a:prstGeom prst="rect">
+              <a:avLst/>
+            </a:prstGeom>
+            <a:noFill/>
+          </p:spPr>
+          <p:txBody>
+            <a:bodyPr wrap="square">
+              <a:spAutoFit/>
+            </a:bodyPr>
+            <a:lstStyle/>
+            <a:p>
+              <a:pPr marL="171450" indent="-171450" algn="l">
+                <a:lnSpc>
+                  <a:spcPct val="200000"/>
+                </a:lnSpc>
+                <a:buFont typeface="Arial" panose="020B0604020202020204" pitchFamily="34" charset="0"/>
+                <a:buChar char="•"/>
+              </a:pPr>
+              <a:r>
+                <a:rPr lang="en-US" altLang="ko-Kore-KR" sz="1200" b="0" i="0" dirty="0">
+                  <a:solidFill>
+                    <a:srgbClr val="222222"/>
+                  </a:solidFill>
+                  <a:effectLst/>
+                  <a:latin typeface="Arial" panose="020B0604020202020204" pitchFamily="34" charset="0"/>
+                </a:rPr>
+                <a:t>Port 3389 TCP (RDP)</a:t>
+              </a:r>
+            </a:p>
+            <a:p>
+              <a:pPr marL="171450" indent="-171450" algn="l">
+                <a:lnSpc>
+                  <a:spcPct val="200000"/>
+                </a:lnSpc>
+                <a:buFont typeface="Arial" panose="020B0604020202020204" pitchFamily="34" charset="0"/>
+                <a:buChar char="•"/>
+              </a:pPr>
+              <a:r>
+                <a:rPr lang="en-US" altLang="ko-Kore-KR" sz="1200" b="0" i="0" dirty="0">
+                  <a:solidFill>
+                    <a:srgbClr val="222222"/>
+                  </a:solidFill>
+                  <a:effectLst/>
+                  <a:latin typeface="Arial" panose="020B0604020202020204" pitchFamily="34" charset="0"/>
+                </a:rPr>
+                <a:t>Port </a:t>
+              </a:r>
+              <a:r>
+                <a:rPr lang="en-US" altLang="ko-Kore-KR" sz="1200" b="1" i="0" dirty="0">
+                  <a:solidFill>
+                    <a:srgbClr val="FF0000"/>
+                  </a:solidFill>
+                  <a:effectLst/>
+                  <a:latin typeface="Arial" panose="020B0604020202020204" pitchFamily="34" charset="0"/>
+                </a:rPr>
+                <a:t>110</a:t>
+              </a:r>
+              <a:r>
+                <a:rPr lang="en-US" altLang="ko-Kore-KR" sz="1200" b="0" i="0" dirty="0">
+                  <a:solidFill>
+                    <a:srgbClr val="222222"/>
+                  </a:solidFill>
+                  <a:effectLst/>
+                  <a:latin typeface="Arial" panose="020B0604020202020204" pitchFamily="34" charset="0"/>
+                </a:rPr>
+                <a:t> TCP – (</a:t>
+              </a:r>
+              <a:r>
+                <a:rPr lang="en-US" altLang="ko-Kore-KR" sz="1200" b="0" i="0" dirty="0">
+                  <a:solidFill>
+                    <a:srgbClr val="FF0000"/>
+                  </a:solidFill>
+                  <a:effectLst/>
+                  <a:latin typeface="Arial" panose="020B0604020202020204" pitchFamily="34" charset="0"/>
+                </a:rPr>
+                <a:t>POP3</a:t>
+              </a:r>
+              <a:r>
+                <a:rPr lang="en-US" altLang="ko-Kore-KR" sz="1200" b="0" i="0" dirty="0">
+                  <a:solidFill>
+                    <a:srgbClr val="222222"/>
+                  </a:solidFill>
+                  <a:effectLst/>
+                  <a:latin typeface="Arial" panose="020B0604020202020204" pitchFamily="34" charset="0"/>
+                </a:rPr>
+                <a:t>)</a:t>
+              </a:r>
+            </a:p>
+            <a:p>
+              <a:pPr marL="171450" indent="-171450" algn="l">
+                <a:lnSpc>
+                  <a:spcPct val="200000"/>
+                </a:lnSpc>
+                <a:buFont typeface="Arial" panose="020B0604020202020204" pitchFamily="34" charset="0"/>
+                <a:buChar char="•"/>
+              </a:pPr>
+              <a:r>
+                <a:rPr lang="en-US" altLang="ko-Kore-KR" sz="1200" b="0" i="0" dirty="0">
+                  <a:solidFill>
+                    <a:srgbClr val="222222"/>
+                  </a:solidFill>
+                  <a:effectLst/>
+                  <a:latin typeface="Arial" panose="020B0604020202020204" pitchFamily="34" charset="0"/>
+                </a:rPr>
+                <a:t>Port 554 TCP/UDP – (RTSP)</a:t>
+              </a:r>
+            </a:p>
+            <a:p>
+              <a:pPr marL="171450" indent="-171450" algn="l">
+                <a:lnSpc>
+                  <a:spcPct val="200000"/>
+                </a:lnSpc>
+                <a:buFont typeface="Arial" panose="020B0604020202020204" pitchFamily="34" charset="0"/>
+                <a:buChar char="•"/>
+              </a:pPr>
+              <a:r>
+                <a:rPr lang="en-US" altLang="ko-Kore-KR" sz="1200" b="0" i="0" dirty="0">
+                  <a:solidFill>
+                    <a:srgbClr val="222222"/>
+                  </a:solidFill>
+                  <a:effectLst/>
+                  <a:latin typeface="Arial" panose="020B0604020202020204" pitchFamily="34" charset="0"/>
+                </a:rPr>
+                <a:t>Port 445 – (SMB/</a:t>
+              </a:r>
+              <a:r>
+                <a:rPr lang="en-US" altLang="ko-Kore-KR" sz="1200" b="0" i="0" dirty="0" err="1">
+                  <a:solidFill>
+                    <a:srgbClr val="222222"/>
+                  </a:solidFill>
+                  <a:effectLst/>
+                  <a:latin typeface="Arial" panose="020B0604020202020204" pitchFamily="34" charset="0"/>
+                </a:rPr>
+                <a:t>Cifs</a:t>
+              </a:r>
+              <a:r>
+                <a:rPr lang="en-US" altLang="ko-Kore-KR" sz="1200" b="0" i="0" dirty="0">
+                  <a:solidFill>
+                    <a:srgbClr val="222222"/>
+                  </a:solidFill>
+                  <a:effectLst/>
+                  <a:latin typeface="Arial" panose="020B0604020202020204" pitchFamily="34" charset="0"/>
+                </a:rPr>
+                <a:t>)</a:t>
+              </a:r>
+            </a:p>
+            <a:p>
+              <a:pPr marL="171450" indent="-171450" algn="l">
+                <a:lnSpc>
+                  <a:spcPct val="200000"/>
+                </a:lnSpc>
+                <a:buFont typeface="Arial" panose="020B0604020202020204" pitchFamily="34" charset="0"/>
+                <a:buChar char="•"/>
+              </a:pPr>
+              <a:r>
+                <a:rPr lang="en-US" altLang="ko-Kore-KR" sz="1200" b="0" i="0" dirty="0">
+                  <a:solidFill>
+                    <a:srgbClr val="222222"/>
+                  </a:solidFill>
+                  <a:effectLst/>
+                  <a:latin typeface="Arial" panose="020B0604020202020204" pitchFamily="34" charset="0"/>
+                </a:rPr>
+                <a:t>Port 587</a:t>
+              </a:r>
+            </a:p>
+            <a:p>
+              <a:pPr marL="171450" indent="-171450" algn="l">
+                <a:lnSpc>
+                  <a:spcPct val="200000"/>
+                </a:lnSpc>
+                <a:buFont typeface="Arial" panose="020B0604020202020204" pitchFamily="34" charset="0"/>
+                <a:buChar char="•"/>
+              </a:pPr>
+              <a:r>
+                <a:rPr lang="en-US" altLang="ko-Kore-KR" sz="1200" b="0" i="0" dirty="0">
+                  <a:solidFill>
+                    <a:srgbClr val="222222"/>
+                  </a:solidFill>
+                  <a:effectLst/>
+                  <a:latin typeface="Arial" panose="020B0604020202020204" pitchFamily="34" charset="0"/>
+                </a:rPr>
+                <a:t>Port 993 TCP – (IMAPS)</a:t>
+              </a:r>
+            </a:p>
+            <a:p>
+              <a:pPr marL="171450" indent="-171450" algn="l">
+                <a:lnSpc>
+                  <a:spcPct val="200000"/>
+                </a:lnSpc>
+                <a:buFont typeface="Arial" panose="020B0604020202020204" pitchFamily="34" charset="0"/>
+                <a:buChar char="•"/>
+              </a:pPr>
+              <a:r>
+                <a:rPr lang="en-US" altLang="ko-Kore-KR" sz="1200" b="0" i="0" dirty="0">
+                  <a:solidFill>
+                    <a:srgbClr val="222222"/>
+                  </a:solidFill>
+                  <a:effectLst/>
+                  <a:latin typeface="Arial" panose="020B0604020202020204" pitchFamily="34" charset="0"/>
+                </a:rPr>
+                <a:t>Port 137-139 – (</a:t>
+              </a:r>
+              <a:r>
+                <a:rPr lang="en-US" altLang="ko-Kore-KR" sz="1200" b="0" i="0" dirty="0" err="1">
+                  <a:solidFill>
+                    <a:srgbClr val="222222"/>
+                  </a:solidFill>
+                  <a:effectLst/>
+                  <a:latin typeface="Arial" panose="020B0604020202020204" pitchFamily="34" charset="0"/>
+                </a:rPr>
+                <a:t>NetBois</a:t>
+              </a:r>
+              <a:r>
+                <a:rPr lang="en-US" altLang="ko-Kore-KR" sz="1200" b="0" i="0" dirty="0">
+                  <a:solidFill>
+                    <a:srgbClr val="222222"/>
+                  </a:solidFill>
+                  <a:effectLst/>
+                  <a:latin typeface="Arial" panose="020B0604020202020204" pitchFamily="34" charset="0"/>
+                </a:rPr>
+                <a:t>)</a:t>
+              </a:r>
+            </a:p>
+            <a:p>
+              <a:pPr marL="171450" indent="-171450" algn="l">
+                <a:lnSpc>
+                  <a:spcPct val="200000"/>
+                </a:lnSpc>
+                <a:buFont typeface="Arial" panose="020B0604020202020204" pitchFamily="34" charset="0"/>
+                <a:buChar char="•"/>
+              </a:pPr>
+              <a:r>
+                <a:rPr lang="en-US" altLang="ko-Kore-KR" sz="1200" b="0" i="0" dirty="0">
+                  <a:solidFill>
+                    <a:srgbClr val="222222"/>
+                  </a:solidFill>
+                  <a:effectLst/>
+                  <a:latin typeface="Arial" panose="020B0604020202020204" pitchFamily="34" charset="0"/>
+                </a:rPr>
+                <a:t>Port 8008</a:t>
+              </a:r>
+            </a:p>
+            <a:p>
+              <a:pPr marL="171450" indent="-171450" algn="l">
+                <a:lnSpc>
+                  <a:spcPct val="200000"/>
+                </a:lnSpc>
+                <a:buFont typeface="Arial" panose="020B0604020202020204" pitchFamily="34" charset="0"/>
+                <a:buChar char="•"/>
+              </a:pPr>
+              <a:r>
+                <a:rPr lang="en-US" altLang="ko-Kore-KR" sz="1200" b="0" i="0" dirty="0">
+                  <a:solidFill>
+                    <a:srgbClr val="222222"/>
+                  </a:solidFill>
+                  <a:effectLst/>
+                  <a:latin typeface="Arial" panose="020B0604020202020204" pitchFamily="34" charset="0"/>
+                </a:rPr>
+                <a:t>Port 500 UDP – (SIP)</a:t>
+              </a:r>
+            </a:p>
+            <a:p>
+              <a:pPr marL="171450" indent="-171450" algn="l">
+                <a:lnSpc>
+                  <a:spcPct val="200000"/>
+                </a:lnSpc>
+                <a:buFont typeface="Arial" panose="020B0604020202020204" pitchFamily="34" charset="0"/>
+                <a:buChar char="•"/>
+              </a:pPr>
+              <a:r>
+                <a:rPr lang="en-US" altLang="ko-Kore-KR" sz="1200" b="0" i="0" dirty="0">
+                  <a:solidFill>
+                    <a:srgbClr val="222222"/>
+                  </a:solidFill>
+                  <a:effectLst/>
+                  <a:latin typeface="Arial" panose="020B0604020202020204" pitchFamily="34" charset="0"/>
+                </a:rPr>
+                <a:t>Port 143</a:t>
+              </a:r>
+            </a:p>
+          </p:txBody>
+        </p:sp>
+        <p:sp>
+          <p:nvSpPr>
+            <p:cNvPr id="7" name="TextBox 6">
+              <a:extLst>
+                <a:ext uri="{FF2B5EF4-FFF2-40B4-BE49-F238E27FC236}">
+                  <a16:creationId xmlns:a16="http://schemas.microsoft.com/office/drawing/2014/main" id="{BBDFAB15-9C48-65B9-A7BB-ABA6A3F93269}"/>
+                </a:ext>
+              </a:extLst>
+            </p:cNvPr>
+            <p:cNvSpPr txBox="1"/>
+            <p:nvPr/>
+          </p:nvSpPr>
+          <p:spPr>
+            <a:xfrm>
+              <a:off x="7980681" y="2423160"/>
+              <a:ext cx="2773679" cy="1512337"/>
+            </a:xfrm>
+            <a:prstGeom prst="rect">
+              <a:avLst/>
+            </a:prstGeom>
+            <a:noFill/>
+          </p:spPr>
+          <p:txBody>
+            <a:bodyPr wrap="square">
+              <a:spAutoFit/>
+            </a:bodyPr>
+            <a:lstStyle/>
+            <a:p>
+              <a:pPr marL="171450" indent="-171450" algn="l">
+                <a:lnSpc>
+                  <a:spcPct val="200000"/>
+                </a:lnSpc>
+                <a:buFont typeface="Arial" panose="020B0604020202020204" pitchFamily="34" charset="0"/>
+                <a:buChar char="•"/>
+              </a:pPr>
+              <a:r>
+                <a:rPr lang="en-US" altLang="ko-Kore-KR" sz="1200" b="0" i="0" dirty="0">
+                  <a:solidFill>
+                    <a:srgbClr val="222222"/>
+                  </a:solidFill>
+                  <a:effectLst/>
+                  <a:latin typeface="Arial" panose="020B0604020202020204" pitchFamily="34" charset="0"/>
+                </a:rPr>
+                <a:t>Port 161-162 UDP – (SNMP)</a:t>
+              </a:r>
+            </a:p>
+            <a:p>
+              <a:pPr marL="171450" indent="-171450" algn="l">
+                <a:lnSpc>
+                  <a:spcPct val="200000"/>
+                </a:lnSpc>
+                <a:buFont typeface="Arial" panose="020B0604020202020204" pitchFamily="34" charset="0"/>
+                <a:buChar char="•"/>
+              </a:pPr>
+              <a:r>
+                <a:rPr lang="en-US" altLang="ko-Kore-KR" sz="1200" b="0" i="0" dirty="0">
+                  <a:solidFill>
+                    <a:srgbClr val="222222"/>
+                  </a:solidFill>
+                  <a:effectLst/>
+                  <a:latin typeface="Arial" panose="020B0604020202020204" pitchFamily="34" charset="0"/>
+                </a:rPr>
+                <a:t>Port 389 TCP – (LDAP)</a:t>
+              </a:r>
+            </a:p>
+            <a:p>
+              <a:pPr marL="171450" indent="-171450" algn="l">
+                <a:lnSpc>
+                  <a:spcPct val="200000"/>
+                </a:lnSpc>
+                <a:buFont typeface="Arial" panose="020B0604020202020204" pitchFamily="34" charset="0"/>
+                <a:buChar char="•"/>
+              </a:pPr>
+              <a:r>
+                <a:rPr lang="en-US" altLang="ko-Kore-KR" sz="1200" b="0" i="0" dirty="0">
+                  <a:solidFill>
+                    <a:srgbClr val="222222"/>
+                  </a:solidFill>
+                  <a:effectLst/>
+                  <a:latin typeface="Arial" panose="020B0604020202020204" pitchFamily="34" charset="0"/>
+                </a:rPr>
+                <a:t>Port 1434 UDP – (Microsoft SQL)</a:t>
+              </a:r>
+            </a:p>
+            <a:p>
+              <a:pPr marL="171450" indent="-171450" algn="l">
+                <a:lnSpc>
+                  <a:spcPct val="200000"/>
+                </a:lnSpc>
+                <a:buFont typeface="Arial" panose="020B0604020202020204" pitchFamily="34" charset="0"/>
+                <a:buChar char="•"/>
+              </a:pPr>
+              <a:r>
+                <a:rPr lang="en-US" altLang="ko-Kore-KR" sz="1200" b="0" i="0" dirty="0">
+                  <a:solidFill>
+                    <a:srgbClr val="222222"/>
+                  </a:solidFill>
+                  <a:effectLst/>
+                  <a:latin typeface="Arial" panose="020B0604020202020204" pitchFamily="34" charset="0"/>
+                </a:rPr>
+                <a:t>Port 5900 TCP – (VNC)</a:t>
+              </a:r>
+            </a:p>
+          </p:txBody>
+        </p:sp>
+        <p:sp>
+          <p:nvSpPr>
+            <p:cNvPr id="9" name="TextBox 8">
+              <a:extLst>
+                <a:ext uri="{FF2B5EF4-FFF2-40B4-BE49-F238E27FC236}">
+                  <a16:creationId xmlns:a16="http://schemas.microsoft.com/office/drawing/2014/main" id="{082D50C2-6854-71F3-9707-8FFE536524B6}"/>
+                </a:ext>
+              </a:extLst>
+            </p:cNvPr>
+            <p:cNvSpPr txBox="1"/>
+            <p:nvPr/>
+          </p:nvSpPr>
+          <p:spPr>
+            <a:xfrm>
+              <a:off x="1767841" y="2423160"/>
+              <a:ext cx="2773679" cy="3728328"/>
+            </a:xfrm>
+            <a:prstGeom prst="rect">
+              <a:avLst/>
+            </a:prstGeom>
+            <a:noFill/>
+          </p:spPr>
+          <p:txBody>
+            <a:bodyPr wrap="square">
+              <a:spAutoFit/>
+            </a:bodyPr>
+            <a:lstStyle/>
+            <a:p>
+              <a:pPr marL="171450" indent="-171450" algn="l">
+                <a:lnSpc>
+                  <a:spcPct val="200000"/>
+                </a:lnSpc>
+                <a:buFont typeface="Arial" panose="020B0604020202020204" pitchFamily="34" charset="0"/>
+                <a:buChar char="•"/>
+              </a:pPr>
+              <a:r>
+                <a:rPr lang="en-US" altLang="ko-Kore-KR" sz="1200" b="0" i="0" dirty="0">
+                  <a:solidFill>
+                    <a:srgbClr val="222222"/>
+                  </a:solidFill>
+                  <a:effectLst/>
+                  <a:latin typeface="Arial" panose="020B0604020202020204" pitchFamily="34" charset="0"/>
+                </a:rPr>
+                <a:t>Port </a:t>
+              </a:r>
+              <a:r>
+                <a:rPr lang="en-US" altLang="ko-Kore-KR" sz="1200" b="1" i="0" dirty="0">
+                  <a:solidFill>
+                    <a:srgbClr val="FF0000"/>
+                  </a:solidFill>
+                  <a:effectLst/>
+                  <a:latin typeface="Arial" panose="020B0604020202020204" pitchFamily="34" charset="0"/>
+                </a:rPr>
+                <a:t>80</a:t>
+              </a:r>
+              <a:r>
+                <a:rPr lang="en-US" altLang="ko-Kore-KR" sz="1200" b="0" i="0" dirty="0">
+                  <a:solidFill>
+                    <a:srgbClr val="222222"/>
+                  </a:solidFill>
+                  <a:effectLst/>
+                  <a:latin typeface="Arial" panose="020B0604020202020204" pitchFamily="34" charset="0"/>
+                </a:rPr>
+                <a:t> TCP – (</a:t>
+              </a:r>
+              <a:r>
+                <a:rPr lang="en-US" altLang="ko-Kore-KR" sz="1200" b="0" i="0" dirty="0">
+                  <a:solidFill>
+                    <a:srgbClr val="FF0000"/>
+                  </a:solidFill>
+                  <a:effectLst/>
+                  <a:latin typeface="Arial" panose="020B0604020202020204" pitchFamily="34" charset="0"/>
+                </a:rPr>
+                <a:t>HTTP</a:t>
+              </a:r>
+              <a:r>
+                <a:rPr lang="en-US" altLang="ko-Kore-KR" sz="1200" b="0" i="0" dirty="0">
+                  <a:solidFill>
+                    <a:srgbClr val="222222"/>
+                  </a:solidFill>
+                  <a:effectLst/>
+                  <a:latin typeface="Arial" panose="020B0604020202020204" pitchFamily="34" charset="0"/>
+                </a:rPr>
+                <a:t>)</a:t>
+              </a:r>
+            </a:p>
+            <a:p>
+              <a:pPr marL="171450" indent="-171450" algn="l">
+                <a:lnSpc>
+                  <a:spcPct val="200000"/>
+                </a:lnSpc>
+                <a:buFont typeface="Arial" panose="020B0604020202020204" pitchFamily="34" charset="0"/>
+                <a:buChar char="•"/>
+              </a:pPr>
+              <a:r>
+                <a:rPr lang="en-US" altLang="ko-Kore-KR" sz="1200" b="0" i="0" dirty="0">
+                  <a:solidFill>
+                    <a:srgbClr val="222222"/>
+                  </a:solidFill>
+                  <a:effectLst/>
+                  <a:latin typeface="Arial" panose="020B0604020202020204" pitchFamily="34" charset="0"/>
+                </a:rPr>
+                <a:t>Port </a:t>
+              </a:r>
+              <a:r>
+                <a:rPr lang="en-US" altLang="ko-Kore-KR" sz="1200" b="1" i="0" dirty="0">
+                  <a:solidFill>
+                    <a:srgbClr val="FF0000"/>
+                  </a:solidFill>
+                  <a:effectLst/>
+                  <a:latin typeface="Arial" panose="020B0604020202020204" pitchFamily="34" charset="0"/>
+                </a:rPr>
+                <a:t>443</a:t>
+              </a:r>
+              <a:r>
+                <a:rPr lang="en-US" altLang="ko-Kore-KR" sz="1200" b="0" i="0" dirty="0">
+                  <a:solidFill>
+                    <a:srgbClr val="222222"/>
+                  </a:solidFill>
+                  <a:effectLst/>
+                  <a:latin typeface="Arial" panose="020B0604020202020204" pitchFamily="34" charset="0"/>
+                </a:rPr>
+                <a:t> TCP – (</a:t>
+              </a:r>
+              <a:r>
+                <a:rPr lang="en-US" altLang="ko-Kore-KR" sz="1200" b="0" i="0" dirty="0">
+                  <a:solidFill>
+                    <a:srgbClr val="FF0000"/>
+                  </a:solidFill>
+                  <a:effectLst/>
+                  <a:latin typeface="Arial" panose="020B0604020202020204" pitchFamily="34" charset="0"/>
+                </a:rPr>
+                <a:t>HTTPS</a:t>
+              </a:r>
+              <a:r>
+                <a:rPr lang="en-US" altLang="ko-Kore-KR" sz="1200" b="0" i="0" dirty="0">
+                  <a:solidFill>
+                    <a:srgbClr val="222222"/>
+                  </a:solidFill>
+                  <a:effectLst/>
+                  <a:latin typeface="Arial" panose="020B0604020202020204" pitchFamily="34" charset="0"/>
+                </a:rPr>
+                <a:t>)</a:t>
+              </a:r>
+            </a:p>
+            <a:p>
+              <a:pPr marL="171450" indent="-171450" algn="l">
+                <a:lnSpc>
+                  <a:spcPct val="200000"/>
+                </a:lnSpc>
+                <a:buFont typeface="Arial" panose="020B0604020202020204" pitchFamily="34" charset="0"/>
+                <a:buChar char="•"/>
+              </a:pPr>
+              <a:r>
+                <a:rPr lang="en-US" altLang="ko-Kore-KR" sz="1200" b="0" i="0" dirty="0">
+                  <a:solidFill>
+                    <a:srgbClr val="222222"/>
+                  </a:solidFill>
+                  <a:effectLst/>
+                  <a:latin typeface="Arial" panose="020B0604020202020204" pitchFamily="34" charset="0"/>
+                </a:rPr>
+                <a:t>Port 67-68 UDP – (DHCP)</a:t>
+              </a:r>
+            </a:p>
+            <a:p>
+              <a:pPr marL="171450" indent="-171450" algn="l">
+                <a:lnSpc>
+                  <a:spcPct val="200000"/>
+                </a:lnSpc>
+                <a:buFont typeface="Arial" panose="020B0604020202020204" pitchFamily="34" charset="0"/>
+                <a:buChar char="•"/>
+              </a:pPr>
+              <a:r>
+                <a:rPr lang="en-US" altLang="ko-Kore-KR" sz="1200" b="0" i="0" dirty="0">
+                  <a:solidFill>
+                    <a:srgbClr val="222222"/>
+                  </a:solidFill>
+                  <a:effectLst/>
+                  <a:latin typeface="Arial" panose="020B0604020202020204" pitchFamily="34" charset="0"/>
+                </a:rPr>
+                <a:t>Port </a:t>
+              </a:r>
+              <a:r>
+                <a:rPr lang="en-US" altLang="ko-Kore-KR" sz="1200" b="1" i="0" dirty="0">
+                  <a:solidFill>
+                    <a:srgbClr val="FF0000"/>
+                  </a:solidFill>
+                  <a:effectLst/>
+                  <a:latin typeface="Arial" panose="020B0604020202020204" pitchFamily="34" charset="0"/>
+                </a:rPr>
+                <a:t>20-21</a:t>
+              </a:r>
+              <a:r>
+                <a:rPr lang="en-US" altLang="ko-Kore-KR" sz="1200" b="0" i="0" dirty="0">
+                  <a:solidFill>
+                    <a:srgbClr val="222222"/>
+                  </a:solidFill>
+                  <a:effectLst/>
+                  <a:latin typeface="Arial" panose="020B0604020202020204" pitchFamily="34" charset="0"/>
+                </a:rPr>
+                <a:t> – (</a:t>
+              </a:r>
+              <a:r>
+                <a:rPr lang="en-US" altLang="ko-Kore-KR" sz="1200" b="0" i="0" dirty="0">
+                  <a:solidFill>
+                    <a:srgbClr val="FF0000"/>
+                  </a:solidFill>
+                  <a:effectLst/>
+                  <a:latin typeface="Arial" panose="020B0604020202020204" pitchFamily="34" charset="0"/>
+                </a:rPr>
+                <a:t>FTP</a:t>
+              </a:r>
+              <a:r>
+                <a:rPr lang="en-US" altLang="ko-Kore-KR" sz="1200" b="0" i="0" dirty="0">
+                  <a:solidFill>
+                    <a:srgbClr val="222222"/>
+                  </a:solidFill>
+                  <a:effectLst/>
+                  <a:latin typeface="Arial" panose="020B0604020202020204" pitchFamily="34" charset="0"/>
+                </a:rPr>
+                <a:t>)</a:t>
+              </a:r>
+            </a:p>
+            <a:p>
+              <a:pPr marL="171450" indent="-171450" algn="l">
+                <a:lnSpc>
+                  <a:spcPct val="200000"/>
+                </a:lnSpc>
+                <a:buFont typeface="Arial" panose="020B0604020202020204" pitchFamily="34" charset="0"/>
+                <a:buChar char="•"/>
+              </a:pPr>
+              <a:r>
+                <a:rPr lang="en-US" altLang="ko-Kore-KR" sz="1200" b="0" i="0" dirty="0">
+                  <a:solidFill>
+                    <a:srgbClr val="222222"/>
+                  </a:solidFill>
+                  <a:effectLst/>
+                  <a:latin typeface="Arial" panose="020B0604020202020204" pitchFamily="34" charset="0"/>
+                </a:rPr>
+                <a:t>Port </a:t>
+              </a:r>
+              <a:r>
+                <a:rPr lang="en-US" altLang="ko-Kore-KR" sz="1200" b="1" i="0" dirty="0">
+                  <a:solidFill>
+                    <a:srgbClr val="FF0000"/>
+                  </a:solidFill>
+                  <a:effectLst/>
+                  <a:latin typeface="Arial" panose="020B0604020202020204" pitchFamily="34" charset="0"/>
+                </a:rPr>
+                <a:t>23</a:t>
+              </a:r>
+              <a:r>
+                <a:rPr lang="en-US" altLang="ko-Kore-KR" sz="1200" b="0" i="0" dirty="0">
+                  <a:solidFill>
+                    <a:srgbClr val="222222"/>
+                  </a:solidFill>
+                  <a:effectLst/>
+                  <a:latin typeface="Arial" panose="020B0604020202020204" pitchFamily="34" charset="0"/>
+                </a:rPr>
+                <a:t> – (</a:t>
+              </a:r>
+              <a:r>
+                <a:rPr lang="en-US" altLang="ko-Kore-KR" sz="1200" b="0" i="0" dirty="0">
+                  <a:solidFill>
+                    <a:srgbClr val="FF0000"/>
+                  </a:solidFill>
+                  <a:effectLst/>
+                  <a:latin typeface="Arial" panose="020B0604020202020204" pitchFamily="34" charset="0"/>
+                </a:rPr>
+                <a:t>Telnet</a:t>
+              </a:r>
+              <a:r>
+                <a:rPr lang="en-US" altLang="ko-Kore-KR" sz="1200" b="0" i="0" dirty="0">
+                  <a:solidFill>
+                    <a:srgbClr val="222222"/>
+                  </a:solidFill>
+                  <a:effectLst/>
+                  <a:latin typeface="Arial" panose="020B0604020202020204" pitchFamily="34" charset="0"/>
+                </a:rPr>
+                <a:t>)</a:t>
+              </a:r>
+            </a:p>
+            <a:p>
+              <a:pPr marL="171450" indent="-171450" algn="l">
+                <a:lnSpc>
+                  <a:spcPct val="200000"/>
+                </a:lnSpc>
+                <a:buFont typeface="Arial" panose="020B0604020202020204" pitchFamily="34" charset="0"/>
+                <a:buChar char="•"/>
+              </a:pPr>
+              <a:r>
+                <a:rPr lang="en-US" altLang="ko-Kore-KR" sz="1200" b="0" i="0" dirty="0">
+                  <a:solidFill>
+                    <a:srgbClr val="222222"/>
+                  </a:solidFill>
+                  <a:effectLst/>
+                  <a:latin typeface="Arial" panose="020B0604020202020204" pitchFamily="34" charset="0"/>
+                </a:rPr>
+                <a:t>Port </a:t>
+              </a:r>
+              <a:r>
+                <a:rPr lang="en-US" altLang="ko-Kore-KR" sz="1200" b="1" i="0" dirty="0">
+                  <a:solidFill>
+                    <a:srgbClr val="FF0000"/>
+                  </a:solidFill>
+                  <a:effectLst/>
+                  <a:latin typeface="Arial" panose="020B0604020202020204" pitchFamily="34" charset="0"/>
+                </a:rPr>
+                <a:t>22</a:t>
+              </a:r>
+              <a:r>
+                <a:rPr lang="en-US" altLang="ko-Kore-KR" sz="1200" b="0" i="0" dirty="0">
+                  <a:solidFill>
+                    <a:srgbClr val="222222"/>
+                  </a:solidFill>
+                  <a:effectLst/>
+                  <a:latin typeface="Arial" panose="020B0604020202020204" pitchFamily="34" charset="0"/>
+                </a:rPr>
+                <a:t> – (</a:t>
+              </a:r>
+              <a:r>
+                <a:rPr lang="en-US" altLang="ko-Kore-KR" sz="1200" b="0" i="0" dirty="0">
+                  <a:solidFill>
+                    <a:srgbClr val="FF0000"/>
+                  </a:solidFill>
+                  <a:effectLst/>
+                  <a:latin typeface="Arial" panose="020B0604020202020204" pitchFamily="34" charset="0"/>
+                </a:rPr>
+                <a:t>SSH</a:t>
+              </a:r>
+              <a:r>
+                <a:rPr lang="en-US" altLang="ko-Kore-KR" sz="1200" b="0" i="0" dirty="0">
+                  <a:solidFill>
+                    <a:srgbClr val="222222"/>
+                  </a:solidFill>
+                  <a:effectLst/>
+                  <a:latin typeface="Arial" panose="020B0604020202020204" pitchFamily="34" charset="0"/>
+                </a:rPr>
+                <a:t>)</a:t>
+              </a:r>
+            </a:p>
+            <a:p>
+              <a:pPr marL="171450" indent="-171450" algn="l">
+                <a:lnSpc>
+                  <a:spcPct val="200000"/>
+                </a:lnSpc>
+                <a:buFont typeface="Arial" panose="020B0604020202020204" pitchFamily="34" charset="0"/>
+                <a:buChar char="•"/>
+              </a:pPr>
+              <a:r>
+                <a:rPr lang="en-US" altLang="ko-Kore-KR" sz="1200" b="0" i="0" dirty="0">
+                  <a:solidFill>
+                    <a:srgbClr val="222222"/>
+                  </a:solidFill>
+                  <a:effectLst/>
+                  <a:latin typeface="Arial" panose="020B0604020202020204" pitchFamily="34" charset="0"/>
+                </a:rPr>
+                <a:t>Port 53 TCP/UDP – (DNS)</a:t>
+              </a:r>
+            </a:p>
+            <a:p>
+              <a:pPr marL="171450" indent="-171450" algn="l">
+                <a:lnSpc>
+                  <a:spcPct val="200000"/>
+                </a:lnSpc>
+                <a:buFont typeface="Arial" panose="020B0604020202020204" pitchFamily="34" charset="0"/>
+                <a:buChar char="•"/>
+              </a:pPr>
+              <a:r>
+                <a:rPr lang="en-US" altLang="ko-Kore-KR" sz="1200" b="0" i="0" dirty="0">
+                  <a:solidFill>
+                    <a:srgbClr val="222222"/>
+                  </a:solidFill>
+                  <a:effectLst/>
+                  <a:latin typeface="Arial" panose="020B0604020202020204" pitchFamily="34" charset="0"/>
+                </a:rPr>
+                <a:t>Port </a:t>
+              </a:r>
+              <a:r>
+                <a:rPr lang="en-US" altLang="ko-Kore-KR" sz="1200" b="1" i="0" dirty="0">
+                  <a:solidFill>
+                    <a:srgbClr val="FF0000"/>
+                  </a:solidFill>
+                  <a:effectLst/>
+                  <a:latin typeface="Arial" panose="020B0604020202020204" pitchFamily="34" charset="0"/>
+                </a:rPr>
+                <a:t>8080</a:t>
+              </a:r>
+            </a:p>
+            <a:p>
+              <a:pPr marL="171450" indent="-171450" algn="l">
+                <a:lnSpc>
+                  <a:spcPct val="200000"/>
+                </a:lnSpc>
+                <a:buFont typeface="Arial" panose="020B0604020202020204" pitchFamily="34" charset="0"/>
+                <a:buChar char="•"/>
+              </a:pPr>
+              <a:r>
+                <a:rPr lang="en-US" altLang="ko-Kore-KR" sz="1200" b="0" i="0" dirty="0">
+                  <a:solidFill>
+                    <a:srgbClr val="222222"/>
+                  </a:solidFill>
+                  <a:effectLst/>
+                  <a:latin typeface="Arial" panose="020B0604020202020204" pitchFamily="34" charset="0"/>
+                </a:rPr>
+                <a:t>Port 123 UDP – (NTP)</a:t>
+              </a:r>
+            </a:p>
+            <a:p>
+              <a:pPr marL="171450" indent="-171450" algn="l">
+                <a:lnSpc>
+                  <a:spcPct val="200000"/>
+                </a:lnSpc>
+                <a:buFont typeface="Arial" panose="020B0604020202020204" pitchFamily="34" charset="0"/>
+                <a:buChar char="•"/>
+              </a:pPr>
+              <a:r>
+                <a:rPr lang="en-US" altLang="ko-Kore-KR" sz="1200" b="0" i="0" dirty="0">
+                  <a:solidFill>
+                    <a:srgbClr val="222222"/>
+                  </a:solidFill>
+                  <a:effectLst/>
+                  <a:latin typeface="Arial" panose="020B0604020202020204" pitchFamily="34" charset="0"/>
+                </a:rPr>
+                <a:t>Port </a:t>
+              </a:r>
+              <a:r>
+                <a:rPr lang="en-US" altLang="ko-Kore-KR" sz="1200" b="1" i="0" dirty="0">
+                  <a:solidFill>
+                    <a:srgbClr val="FF0000"/>
+                  </a:solidFill>
+                  <a:effectLst/>
+                  <a:latin typeface="Arial" panose="020B0604020202020204" pitchFamily="34" charset="0"/>
+                </a:rPr>
+                <a:t>25</a:t>
+              </a:r>
+              <a:r>
+                <a:rPr lang="en-US" altLang="ko-Kore-KR" sz="1200" b="0" i="0" dirty="0">
+                  <a:solidFill>
+                    <a:srgbClr val="222222"/>
+                  </a:solidFill>
+                  <a:effectLst/>
+                  <a:latin typeface="Arial" panose="020B0604020202020204" pitchFamily="34" charset="0"/>
+                </a:rPr>
+                <a:t> TCP – (SMTP)</a:t>
+              </a:r>
+            </a:p>
+          </p:txBody>
+        </p:sp>
+      </p:grpSp>
+    </p:spTree>
+    <p:extLst>
+      <p:ext uri="{BB962C8B-B14F-4D97-AF65-F5344CB8AC3E}">
+        <p14:creationId xmlns:p14="http://schemas.microsoft.com/office/powerpoint/2010/main" val="494071821"/>
+      </p:ext>
+    </p:extLst>
+  </p:cSld>
+  <p:clrMapOvr>
+    <a:masterClrMapping/>
+  </p:clrMapOvr>
+</p:sld>
+</file>
+
 <file path=ppt/slides/slide2.xml><?xml version="1.0" encoding="utf-8"?>
 <p:sld xmlns:a="http://schemas.openxmlformats.org/drawingml/2006/main" xmlns:r="http://schemas.openxmlformats.org/officeDocument/2006/relationships" xmlns:p="http://schemas.openxmlformats.org/presentationml/2006/main">
   <p:cSld>
@@ -5565,12 +7730,28 @@
               <a:t>우리 수업의 학습 목표는 </a:t>
             </a:r>
             <a:r>
-              <a:rPr lang="en-US" altLang="ko-Kore-KR" sz="2400" dirty="0"/>
+              <a:rPr lang="en-US" altLang="ko-Kore-KR" sz="2400" b="1" u="sng" dirty="0">
+                <a:solidFill>
+                  <a:schemeClr val="accent6">
+                    <a:lumMod val="75000"/>
+                  </a:schemeClr>
+                </a:solidFill>
+              </a:rPr>
               <a:t>Full-Stack </a:t>
             </a:r>
             <a:r>
+              <a:rPr lang="ko-Kore-KR" altLang="en-US" sz="2400" b="1" u="sng" dirty="0">
+                <a:solidFill>
+                  <a:schemeClr val="accent6">
+                    <a:lumMod val="75000"/>
+                  </a:schemeClr>
+                </a:solidFill>
+              </a:rPr>
+              <a:t>개발자 과정</a:t>
+            </a:r>
+            <a:r>
               <a:rPr lang="ko-Kore-KR" altLang="en-US" sz="2400" dirty="0"/>
-              <a:t>개발자 과정이라 할 수 있습니다</a:t>
+              <a:t>이라 할 수 있습니다</a:t>
             </a:r>
             <a:r>
               <a:rPr lang="en-US" altLang="ko-Kore-KR" sz="2400" dirty="0"/>
@@ -5586,13 +7767,13 @@
           <a:p>
             <a:r>
               <a:rPr lang="en-US" altLang="ko-Kore-KR" sz="2400" dirty="0"/>
-              <a:t>Database</a:t>
+              <a:t>Database </a:t>
             </a:r>
           </a:p>
           <a:p>
             <a:r>
               <a:rPr lang="en-US" altLang="ko-Kore-KR" sz="2400" dirty="0"/>
-              <a:t>Back-End</a:t>
+              <a:t>Back-End </a:t>
             </a:r>
           </a:p>
           <a:p>
@@ -5600,8 +7781,6 @@
               <a:rPr lang="en-US" altLang="ko-Kore-KR" sz="2400" dirty="0"/>
               <a:t>Front-End</a:t>
             </a:r>
-          </a:p>
-          <a:p>
             <a:endParaRPr lang="ko-Kore-KR" altLang="en-US" sz="2400" dirty="0"/>
           </a:p>
         </p:txBody>
@@ -7941,6 +10120,243 @@
 </p:sld>
 </file>
 
+<file path=ppt/slides/slide7.xml><?xml version="1.0" encoding="utf-8"?>
+<p:sld xmlns:a="http://schemas.openxmlformats.org/drawingml/2006/main" xmlns:r="http://schemas.openxmlformats.org/officeDocument/2006/relationships" xmlns:p="http://schemas.openxmlformats.org/presentationml/2006/main">
+  <p:cSld>
+    <p:spTree>
+      <p:nvGrpSpPr>
+        <p:cNvPr id="1" name=""/>
+        <p:cNvGrpSpPr/>
+        <p:nvPr/>
+      </p:nvGrpSpPr>
+      <p:grpSpPr>
+        <a:xfrm>
+          <a:off x="0" y="0"/>
+          <a:ext cx="0" cy="0"/>
+          <a:chOff x="0" y="0"/>
+          <a:chExt cx="0" cy="0"/>
+        </a:xfrm>
+      </p:grpSpPr>
+      <p:sp>
+        <p:nvSpPr>
+          <p:cNvPr id="2" name="제목 1">
+            <a:extLst>
+              <a:ext uri="{FF2B5EF4-FFF2-40B4-BE49-F238E27FC236}">
+                <a16:creationId xmlns:a16="http://schemas.microsoft.com/office/drawing/2014/main" id="{E79BDECC-A0C3-9F3C-A52C-ED16FCCE8641}"/>
+              </a:ext>
+            </a:extLst>
+          </p:cNvPr>
+          <p:cNvSpPr>
+            <a:spLocks noGrp="1"/>
+          </p:cNvSpPr>
+          <p:nvPr>
+            <p:ph type="title"/>
+          </p:nvPr>
+        </p:nvSpPr>
+        <p:spPr/>
+        <p:txBody>
+          <a:bodyPr/>
+          <a:lstStyle/>
+          <a:p>
+            <a:r>
+              <a:rPr lang="en-US" altLang="ko-Kore-KR" dirty="0"/>
+              <a:t>Network</a:t>
+            </a:r>
+            <a:endParaRPr lang="ko-Kore-KR" altLang="en-US" dirty="0"/>
+          </a:p>
+        </p:txBody>
+      </p:sp>
+    </p:spTree>
+    <p:extLst>
+      <p:ext uri="{BB962C8B-B14F-4D97-AF65-F5344CB8AC3E}">
+        <p14:creationId xmlns:p14="http://schemas.microsoft.com/office/powerpoint/2010/main" val="3711804"/>
+      </p:ext>
+    </p:extLst>
+  </p:cSld>
+  <p:clrMapOvr>
+    <a:masterClrMapping/>
+  </p:clrMapOvr>
+</p:sld>
+</file>
+
+<file path=ppt/slides/slide8.xml><?xml version="1.0" encoding="utf-8"?>
+<p:sld xmlns:a="http://schemas.openxmlformats.org/drawingml/2006/main" xmlns:r="http://schemas.openxmlformats.org/officeDocument/2006/relationships" xmlns:p="http://schemas.openxmlformats.org/presentationml/2006/main">
+  <p:cSld>
+    <p:spTree>
+      <p:nvGrpSpPr>
+        <p:cNvPr id="1" name=""/>
+        <p:cNvGrpSpPr/>
+        <p:nvPr/>
+      </p:nvGrpSpPr>
+      <p:grpSpPr>
+        <a:xfrm>
+          <a:off x="0" y="0"/>
+          <a:ext cx="0" cy="0"/>
+          <a:chOff x="0" y="0"/>
+          <a:chExt cx="0" cy="0"/>
+        </a:xfrm>
+      </p:grpSpPr>
+      <p:sp>
+        <p:nvSpPr>
+          <p:cNvPr id="2" name="제목 1">
+            <a:extLst>
+              <a:ext uri="{FF2B5EF4-FFF2-40B4-BE49-F238E27FC236}">
+                <a16:creationId xmlns:a16="http://schemas.microsoft.com/office/drawing/2014/main" id="{11B291AF-0369-29D9-1214-C1934AEAB12A}"/>
+              </a:ext>
+            </a:extLst>
+          </p:cNvPr>
+          <p:cNvSpPr>
+            <a:spLocks noGrp="1"/>
+          </p:cNvSpPr>
+          <p:nvPr>
+            <p:ph type="title"/>
+          </p:nvPr>
+        </p:nvSpPr>
+        <p:spPr/>
+        <p:txBody>
+          <a:bodyPr/>
+          <a:lstStyle/>
+          <a:p>
+            <a:r>
+              <a:rPr kumimoji="1" lang="en-US" altLang="ko-Kore-KR" dirty="0"/>
+              <a:t>Network</a:t>
+            </a:r>
+            <a:endParaRPr kumimoji="1" lang="ko-Kore-KR" altLang="en-US" dirty="0"/>
+          </a:p>
+        </p:txBody>
+      </p:sp>
+      <p:pic>
+        <p:nvPicPr>
+          <p:cNvPr id="4" name="그림 3">
+            <a:extLst>
+              <a:ext uri="{FF2B5EF4-FFF2-40B4-BE49-F238E27FC236}">
+                <a16:creationId xmlns:a16="http://schemas.microsoft.com/office/drawing/2014/main" id="{1286D9B8-9179-D3D0-4963-87921B006CC2}"/>
+              </a:ext>
+            </a:extLst>
+          </p:cNvPr>
+          <p:cNvPicPr>
+            <a:picLocks noChangeAspect="1"/>
+          </p:cNvPicPr>
+          <p:nvPr/>
+        </p:nvPicPr>
+        <p:blipFill>
+          <a:blip r:embed="rId2"/>
+          <a:stretch>
+            <a:fillRect/>
+          </a:stretch>
+        </p:blipFill>
+        <p:spPr>
+          <a:xfrm>
+            <a:off x="3314700" y="2304958"/>
+            <a:ext cx="5562600" cy="4004402"/>
+          </a:xfrm>
+          <a:prstGeom prst="rect">
+            <a:avLst/>
+          </a:prstGeom>
+        </p:spPr>
+      </p:pic>
+    </p:spTree>
+    <p:extLst>
+      <p:ext uri="{BB962C8B-B14F-4D97-AF65-F5344CB8AC3E}">
+        <p14:creationId xmlns:p14="http://schemas.microsoft.com/office/powerpoint/2010/main" val="1254982207"/>
+      </p:ext>
+    </p:extLst>
+  </p:cSld>
+  <p:clrMapOvr>
+    <a:masterClrMapping/>
+  </p:clrMapOvr>
+</p:sld>
+</file>
+
+<file path=ppt/slides/slide9.xml><?xml version="1.0" encoding="utf-8"?>
+<p:sld xmlns:a="http://schemas.openxmlformats.org/drawingml/2006/main" xmlns:r="http://schemas.openxmlformats.org/officeDocument/2006/relationships" xmlns:p="http://schemas.openxmlformats.org/presentationml/2006/main">
+  <p:cSld>
+    <p:spTree>
+      <p:nvGrpSpPr>
+        <p:cNvPr id="1" name=""/>
+        <p:cNvGrpSpPr/>
+        <p:nvPr/>
+      </p:nvGrpSpPr>
+      <p:grpSpPr>
+        <a:xfrm>
+          <a:off x="0" y="0"/>
+          <a:ext cx="0" cy="0"/>
+          <a:chOff x="0" y="0"/>
+          <a:chExt cx="0" cy="0"/>
+        </a:xfrm>
+      </p:grpSpPr>
+      <p:sp>
+        <p:nvSpPr>
+          <p:cNvPr id="2" name="제목 1">
+            <a:extLst>
+              <a:ext uri="{FF2B5EF4-FFF2-40B4-BE49-F238E27FC236}">
+                <a16:creationId xmlns:a16="http://schemas.microsoft.com/office/drawing/2014/main" id="{4A06830F-5D19-4858-777B-512C652D97C7}"/>
+              </a:ext>
+            </a:extLst>
+          </p:cNvPr>
+          <p:cNvSpPr>
+            <a:spLocks noGrp="1"/>
+          </p:cNvSpPr>
+          <p:nvPr>
+            <p:ph type="title"/>
+          </p:nvPr>
+        </p:nvSpPr>
+        <p:spPr/>
+        <p:txBody>
+          <a:bodyPr/>
+          <a:lstStyle/>
+          <a:p>
+            <a:r>
+              <a:rPr kumimoji="1" lang="en-US" altLang="ko-Kore-KR" dirty="0"/>
+              <a:t>Network Routing</a:t>
+            </a:r>
+            <a:endParaRPr kumimoji="1" lang="ko-Kore-KR" altLang="en-US" dirty="0"/>
+          </a:p>
+        </p:txBody>
+      </p:sp>
+      <p:pic>
+        <p:nvPicPr>
+          <p:cNvPr id="4" name="그림 3">
+            <a:extLst>
+              <a:ext uri="{FF2B5EF4-FFF2-40B4-BE49-F238E27FC236}">
+                <a16:creationId xmlns:a16="http://schemas.microsoft.com/office/drawing/2014/main" id="{9C308AFE-E79D-B9D8-E7C5-8AABE97D45E3}"/>
+              </a:ext>
+            </a:extLst>
+          </p:cNvPr>
+          <p:cNvPicPr>
+            <a:picLocks noChangeAspect="1"/>
+          </p:cNvPicPr>
+          <p:nvPr/>
+        </p:nvPicPr>
+        <p:blipFill>
+          <a:blip r:embed="rId2"/>
+          <a:stretch>
+            <a:fillRect/>
+          </a:stretch>
+        </p:blipFill>
+        <p:spPr>
+          <a:xfrm>
+            <a:off x="4256730" y="2478024"/>
+            <a:ext cx="3678539" cy="3429001"/>
+          </a:xfrm>
+          <a:prstGeom prst="rect">
+            <a:avLst/>
+          </a:prstGeom>
+        </p:spPr>
+      </p:pic>
+    </p:spTree>
+    <p:extLst>
+      <p:ext uri="{BB962C8B-B14F-4D97-AF65-F5344CB8AC3E}">
+        <p14:creationId xmlns:p14="http://schemas.microsoft.com/office/powerpoint/2010/main" val="3039682035"/>
+      </p:ext>
+    </p:extLst>
+  </p:cSld>
+  <p:clrMapOvr>
+    <a:masterClrMapping/>
+  </p:clrMapOvr>
+</p:sld>
+</file>
+
 <file path=ppt/theme/theme1.xml><?xml version="1.0" encoding="utf-8"?>
 <a:theme xmlns:a="http://schemas.openxmlformats.org/drawingml/2006/main" name="AccentBoxVTI">
   <a:themeElements>

--- a/수업목표.pptx
+++ b/수업목표.pptx
@@ -17,6 +17,8 @@
     <p:sldId id="265" r:id="rId11"/>
     <p:sldId id="268" r:id="rId12"/>
     <p:sldId id="266" r:id="rId13"/>
+    <p:sldId id="269" r:id="rId14"/>
+    <p:sldId id="270" r:id="rId15"/>
   </p:sldIdLst>
   <p:sldSz cx="12192000" cy="6858000"/>
   <p:notesSz cx="6858000" cy="9144000"/>
@@ -7658,6 +7660,201 @@
 </p:sld>
 </file>
 
+<file path=ppt/slides/slide13.xml><?xml version="1.0" encoding="utf-8"?>
+<p:sld xmlns:a="http://schemas.openxmlformats.org/drawingml/2006/main" xmlns:r="http://schemas.openxmlformats.org/officeDocument/2006/relationships" xmlns:p="http://schemas.openxmlformats.org/presentationml/2006/main">
+  <p:cSld>
+    <p:spTree>
+      <p:nvGrpSpPr>
+        <p:cNvPr id="1" name=""/>
+        <p:cNvGrpSpPr/>
+        <p:nvPr/>
+      </p:nvGrpSpPr>
+      <p:grpSpPr>
+        <a:xfrm>
+          <a:off x="0" y="0"/>
+          <a:ext cx="0" cy="0"/>
+          <a:chOff x="0" y="0"/>
+          <a:chExt cx="0" cy="0"/>
+        </a:xfrm>
+      </p:grpSpPr>
+      <p:sp>
+        <p:nvSpPr>
+          <p:cNvPr id="2" name="제목 1">
+            <a:extLst>
+              <a:ext uri="{FF2B5EF4-FFF2-40B4-BE49-F238E27FC236}">
+                <a16:creationId xmlns:a16="http://schemas.microsoft.com/office/drawing/2014/main" id="{E91694E4-F3FB-FC16-B645-20467E8172D4}"/>
+              </a:ext>
+            </a:extLst>
+          </p:cNvPr>
+          <p:cNvSpPr>
+            <a:spLocks noGrp="1"/>
+          </p:cNvSpPr>
+          <p:nvPr>
+            <p:ph type="title"/>
+          </p:nvPr>
+        </p:nvSpPr>
+        <p:spPr/>
+        <p:txBody>
+          <a:bodyPr/>
+          <a:lstStyle/>
+          <a:p>
+            <a:r>
+              <a:rPr kumimoji="1" lang="en-US" altLang="ko-Kore-KR" dirty="0"/>
+              <a:t>DATABASE</a:t>
+            </a:r>
+            <a:endParaRPr kumimoji="1" lang="ko-Kore-KR" altLang="en-US" dirty="0"/>
+          </a:p>
+        </p:txBody>
+      </p:sp>
+    </p:spTree>
+    <p:extLst>
+      <p:ext uri="{BB962C8B-B14F-4D97-AF65-F5344CB8AC3E}">
+        <p14:creationId xmlns:p14="http://schemas.microsoft.com/office/powerpoint/2010/main" val="996541036"/>
+      </p:ext>
+    </p:extLst>
+  </p:cSld>
+  <p:clrMapOvr>
+    <a:masterClrMapping/>
+  </p:clrMapOvr>
+</p:sld>
+</file>
+
+<file path=ppt/slides/slide14.xml><?xml version="1.0" encoding="utf-8"?>
+<p:sld xmlns:a="http://schemas.openxmlformats.org/drawingml/2006/main" xmlns:r="http://schemas.openxmlformats.org/officeDocument/2006/relationships" xmlns:p="http://schemas.openxmlformats.org/presentationml/2006/main">
+  <p:cSld>
+    <p:spTree>
+      <p:nvGrpSpPr>
+        <p:cNvPr id="1" name=""/>
+        <p:cNvGrpSpPr/>
+        <p:nvPr/>
+      </p:nvGrpSpPr>
+      <p:grpSpPr>
+        <a:xfrm>
+          <a:off x="0" y="0"/>
+          <a:ext cx="0" cy="0"/>
+          <a:chOff x="0" y="0"/>
+          <a:chExt cx="0" cy="0"/>
+        </a:xfrm>
+      </p:grpSpPr>
+      <p:sp>
+        <p:nvSpPr>
+          <p:cNvPr id="2" name="제목 1">
+            <a:extLst>
+              <a:ext uri="{FF2B5EF4-FFF2-40B4-BE49-F238E27FC236}">
+                <a16:creationId xmlns:a16="http://schemas.microsoft.com/office/drawing/2014/main" id="{E19B15F7-1F98-4AD3-32C4-DCA14B0FF5D3}"/>
+              </a:ext>
+            </a:extLst>
+          </p:cNvPr>
+          <p:cNvSpPr>
+            <a:spLocks noGrp="1"/>
+          </p:cNvSpPr>
+          <p:nvPr>
+            <p:ph type="title"/>
+          </p:nvPr>
+        </p:nvSpPr>
+        <p:spPr/>
+        <p:txBody>
+          <a:bodyPr/>
+          <a:lstStyle/>
+          <a:p>
+            <a:r>
+              <a:rPr kumimoji="1" lang="en-US" altLang="ko-Kore-KR" dirty="0"/>
+              <a:t>Database</a:t>
+            </a:r>
+            <a:r>
+              <a:rPr kumimoji="1" lang="ko-Kore-KR" altLang="en-US" dirty="0"/>
+              <a:t>란 무엇인가</a:t>
+            </a:r>
+            <a:r>
+              <a:rPr kumimoji="1" lang="en-US" altLang="ko-Kore-KR" dirty="0"/>
+              <a:t>?</a:t>
+            </a:r>
+            <a:endParaRPr kumimoji="1" lang="ko-Kore-KR" altLang="en-US" dirty="0"/>
+          </a:p>
+        </p:txBody>
+      </p:sp>
+      <p:sp>
+        <p:nvSpPr>
+          <p:cNvPr id="3" name="내용 개체 틀 2">
+            <a:extLst>
+              <a:ext uri="{FF2B5EF4-FFF2-40B4-BE49-F238E27FC236}">
+                <a16:creationId xmlns:a16="http://schemas.microsoft.com/office/drawing/2014/main" id="{0D889639-DB18-1BBB-0253-0BF3E661FAA5}"/>
+              </a:ext>
+            </a:extLst>
+          </p:cNvPr>
+          <p:cNvSpPr>
+            <a:spLocks noGrp="1"/>
+          </p:cNvSpPr>
+          <p:nvPr>
+            <p:ph idx="1"/>
+          </p:nvPr>
+        </p:nvSpPr>
+        <p:spPr/>
+        <p:txBody>
+          <a:bodyPr/>
+          <a:lstStyle/>
+          <a:p>
+            <a:r>
+              <a:rPr kumimoji="1" lang="ko-Kore-KR" altLang="en-US" dirty="0"/>
+              <a:t>작은 의미의 데이터베이스는 서로 관련있는 데이터들을 저장하고 관리하는 체계화된 논리적인 오브젝트이다</a:t>
+            </a:r>
+            <a:r>
+              <a:rPr kumimoji="1" lang="en-US" altLang="ko-Kore-KR" dirty="0"/>
+              <a:t>.</a:t>
+            </a:r>
+          </a:p>
+          <a:p>
+            <a:r>
+              <a:rPr kumimoji="1" lang="ko-Kore-KR" altLang="en-US" dirty="0"/>
+              <a:t>여러 사용자나 </a:t>
+            </a:r>
+            <a:r>
+              <a:rPr kumimoji="1" lang="en-US" altLang="ko-Kore-KR" dirty="0"/>
+              <a:t>App.</a:t>
+            </a:r>
+            <a:r>
+              <a:rPr kumimoji="1" lang="ko-Kore-KR" altLang="en-US" dirty="0"/>
+              <a:t>들이 동시에 사용가능한 데이터 메니지먼트 시스템 </a:t>
+            </a:r>
+            <a:r>
+              <a:rPr kumimoji="1" lang="en-US" altLang="ko-Kore-KR" dirty="0"/>
+              <a:t>S/W</a:t>
+            </a:r>
+            <a:r>
+              <a:rPr kumimoji="1" lang="ko-Kore-KR" altLang="en-US" dirty="0"/>
+              <a:t>이다</a:t>
+            </a:r>
+            <a:r>
+              <a:rPr kumimoji="1" lang="en-US" altLang="ko-Kore-KR" dirty="0"/>
+              <a:t>.</a:t>
+            </a:r>
+          </a:p>
+          <a:p>
+            <a:r>
+              <a:rPr kumimoji="1" lang="ko-Kore-KR" altLang="en-US" dirty="0"/>
+              <a:t>외부의 시스템으로부터 데이터를 안전하게 관리할 수 있는 물리적인 시스템이다</a:t>
+            </a:r>
+            <a:r>
+              <a:rPr kumimoji="1" lang="en-US" altLang="ko-Kore-KR" dirty="0"/>
+              <a:t>.</a:t>
+            </a:r>
+            <a:endParaRPr kumimoji="1" lang="ko-Kore-KR" altLang="en-US" dirty="0"/>
+          </a:p>
+        </p:txBody>
+      </p:sp>
+    </p:spTree>
+    <p:extLst>
+      <p:ext uri="{BB962C8B-B14F-4D97-AF65-F5344CB8AC3E}">
+        <p14:creationId xmlns:p14="http://schemas.microsoft.com/office/powerpoint/2010/main" val="2884350244"/>
+      </p:ext>
+    </p:extLst>
+  </p:cSld>
+  <p:clrMapOvr>
+    <a:masterClrMapping/>
+  </p:clrMapOvr>
+</p:sld>
+</file>
+
 <file path=ppt/slides/slide2.xml><?xml version="1.0" encoding="utf-8"?>
 <p:sld xmlns:a="http://schemas.openxmlformats.org/drawingml/2006/main" xmlns:r="http://schemas.openxmlformats.org/officeDocument/2006/relationships" xmlns:p="http://schemas.openxmlformats.org/presentationml/2006/main">
   <p:cSld>
